--- a/Doc/Presentazione_Intelligent_and_Secure_Network_Martinelli_Tommaso.pptx
+++ b/Doc/Presentazione_Intelligent_and_Secure_Network_Martinelli_Tommaso.pptx
@@ -5,7 +5,7 @@
     <p:sldMasterId id="2147483660" r:id="rId1"/>
   </p:sldMasterIdLst>
   <p:notesMasterIdLst>
-    <p:notesMasterId r:id="rId21"/>
+    <p:notesMasterId r:id="rId27"/>
   </p:notesMasterIdLst>
   <p:sldIdLst>
     <p:sldId id="256" r:id="rId2"/>
@@ -27,30 +27,36 @@
     <p:sldId id="274" r:id="rId18"/>
     <p:sldId id="275" r:id="rId19"/>
     <p:sldId id="276" r:id="rId20"/>
+    <p:sldId id="277" r:id="rId21"/>
+    <p:sldId id="278" r:id="rId22"/>
+    <p:sldId id="279" r:id="rId23"/>
+    <p:sldId id="280" r:id="rId24"/>
+    <p:sldId id="281" r:id="rId25"/>
+    <p:sldId id="282" r:id="rId26"/>
   </p:sldIdLst>
   <p:sldSz cx="9144000" cy="5143500" type="screen16x9"/>
   <p:notesSz cx="6858000" cy="9144000"/>
   <p:embeddedFontLst>
     <p:embeddedFont>
       <p:font typeface="Merriweather" panose="00000500000000000000" pitchFamily="2" charset="0"/>
-      <p:regular r:id="rId22"/>
-      <p:bold r:id="rId23"/>
-      <p:italic r:id="rId24"/>
-      <p:boldItalic r:id="rId25"/>
+      <p:regular r:id="rId28"/>
+      <p:bold r:id="rId29"/>
+      <p:italic r:id="rId30"/>
+      <p:boldItalic r:id="rId31"/>
     </p:embeddedFont>
     <p:embeddedFont>
       <p:font typeface="Roboto" panose="02000000000000000000" pitchFamily="2" charset="0"/>
-      <p:regular r:id="rId26"/>
-      <p:bold r:id="rId27"/>
-      <p:italic r:id="rId28"/>
-      <p:boldItalic r:id="rId29"/>
+      <p:regular r:id="rId32"/>
+      <p:bold r:id="rId33"/>
+      <p:italic r:id="rId34"/>
+      <p:boldItalic r:id="rId35"/>
     </p:embeddedFont>
     <p:embeddedFont>
       <p:font typeface="Verdana" panose="020B0604030504040204" pitchFamily="34" charset="0"/>
-      <p:regular r:id="rId30"/>
-      <p:bold r:id="rId31"/>
-      <p:italic r:id="rId32"/>
-      <p:boldItalic r:id="rId33"/>
+      <p:regular r:id="rId36"/>
+      <p:bold r:id="rId37"/>
+      <p:italic r:id="rId38"/>
+      <p:boldItalic r:id="rId39"/>
     </p:embeddedFont>
   </p:embeddedFontLst>
   <p:defaultTextStyle>
@@ -7066,6 +7072,660 @@
 </p:notes>
 </file>
 
+<file path=ppt/notesSlides/notesSlide20.xml><?xml version="1.0" encoding="utf-8"?>
+<p:notes xmlns:a="http://schemas.openxmlformats.org/drawingml/2006/main" xmlns:r="http://schemas.openxmlformats.org/officeDocument/2006/relationships" xmlns:p="http://schemas.openxmlformats.org/presentationml/2006/main" showMasterSp="0" showMasterPhAnim="0">
+  <p:cSld>
+    <p:spTree>
+      <p:nvGrpSpPr>
+        <p:cNvPr id="1" name="Shape 68"/>
+        <p:cNvGrpSpPr/>
+        <p:nvPr/>
+      </p:nvGrpSpPr>
+      <p:grpSpPr>
+        <a:xfrm>
+          <a:off x="0" y="0"/>
+          <a:ext cx="0" cy="0"/>
+          <a:chOff x="0" y="0"/>
+          <a:chExt cx="0" cy="0"/>
+        </a:xfrm>
+      </p:grpSpPr>
+      <p:sp>
+        <p:nvSpPr>
+          <p:cNvPr id="69" name="Google Shape;69;gf46d95386d_0_23:notes"/>
+          <p:cNvSpPr>
+            <a:spLocks noGrp="1" noRot="1" noChangeAspect="1"/>
+          </p:cNvSpPr>
+          <p:nvPr>
+            <p:ph type="sldImg" idx="2"/>
+          </p:nvPr>
+        </p:nvSpPr>
+        <p:spPr>
+          <a:xfrm>
+            <a:off x="381000" y="685800"/>
+            <a:ext cx="6096000" cy="3429000"/>
+          </a:xfrm>
+          <a:custGeom>
+            <a:avLst/>
+            <a:gdLst/>
+            <a:ahLst/>
+            <a:cxnLst/>
+            <a:rect l="l" t="t" r="r" b="b"/>
+            <a:pathLst>
+              <a:path w="120000" h="120000" extrusionOk="0">
+                <a:moveTo>
+                  <a:pt x="0" y="0"/>
+                </a:moveTo>
+                <a:lnTo>
+                  <a:pt x="120000" y="0"/>
+                </a:lnTo>
+                <a:lnTo>
+                  <a:pt x="120000" y="120000"/>
+                </a:lnTo>
+                <a:lnTo>
+                  <a:pt x="0" y="120000"/>
+                </a:lnTo>
+                <a:close/>
+              </a:path>
+            </a:pathLst>
+          </a:custGeom>
+        </p:spPr>
+      </p:sp>
+      <p:sp>
+        <p:nvSpPr>
+          <p:cNvPr id="70" name="Google Shape;70;gf46d95386d_0_23:notes"/>
+          <p:cNvSpPr txBox="1">
+            <a:spLocks noGrp="1"/>
+          </p:cNvSpPr>
+          <p:nvPr>
+            <p:ph type="body" idx="1"/>
+          </p:nvPr>
+        </p:nvSpPr>
+        <p:spPr>
+          <a:xfrm>
+            <a:off x="685800" y="4343400"/>
+            <a:ext cx="5486400" cy="4114800"/>
+          </a:xfrm>
+          <a:prstGeom prst="rect">
+            <a:avLst/>
+          </a:prstGeom>
+        </p:spPr>
+        <p:txBody>
+          <a:bodyPr spcFirstLastPara="1" wrap="square" lIns="91425" tIns="91425" rIns="91425" bIns="91425" anchor="t" anchorCtr="0">
+            <a:noAutofit/>
+          </a:bodyPr>
+          <a:lstStyle/>
+          <a:p>
+            <a:pPr marL="0" lvl="0" indent="0" algn="l" rtl="0">
+              <a:spcBef>
+                <a:spcPts val="0"/>
+              </a:spcBef>
+              <a:spcAft>
+                <a:spcPts val="0"/>
+              </a:spcAft>
+              <a:buNone/>
+            </a:pPr>
+            <a:endParaRPr/>
+          </a:p>
+        </p:txBody>
+      </p:sp>
+    </p:spTree>
+    <p:extLst>
+      <p:ext uri="{BB962C8B-B14F-4D97-AF65-F5344CB8AC3E}">
+        <p14:creationId xmlns:p14="http://schemas.microsoft.com/office/powerpoint/2010/main" val="2522077309"/>
+      </p:ext>
+    </p:extLst>
+  </p:cSld>
+  <p:clrMapOvr>
+    <a:masterClrMapping/>
+  </p:clrMapOvr>
+</p:notes>
+</file>
+
+<file path=ppt/notesSlides/notesSlide21.xml><?xml version="1.0" encoding="utf-8"?>
+<p:notes xmlns:a="http://schemas.openxmlformats.org/drawingml/2006/main" xmlns:r="http://schemas.openxmlformats.org/officeDocument/2006/relationships" xmlns:p="http://schemas.openxmlformats.org/presentationml/2006/main" showMasterSp="0" showMasterPhAnim="0">
+  <p:cSld>
+    <p:spTree>
+      <p:nvGrpSpPr>
+        <p:cNvPr id="1" name="Shape 68"/>
+        <p:cNvGrpSpPr/>
+        <p:nvPr/>
+      </p:nvGrpSpPr>
+      <p:grpSpPr>
+        <a:xfrm>
+          <a:off x="0" y="0"/>
+          <a:ext cx="0" cy="0"/>
+          <a:chOff x="0" y="0"/>
+          <a:chExt cx="0" cy="0"/>
+        </a:xfrm>
+      </p:grpSpPr>
+      <p:sp>
+        <p:nvSpPr>
+          <p:cNvPr id="69" name="Google Shape;69;gf46d95386d_0_23:notes"/>
+          <p:cNvSpPr>
+            <a:spLocks noGrp="1" noRot="1" noChangeAspect="1"/>
+          </p:cNvSpPr>
+          <p:nvPr>
+            <p:ph type="sldImg" idx="2"/>
+          </p:nvPr>
+        </p:nvSpPr>
+        <p:spPr>
+          <a:xfrm>
+            <a:off x="381000" y="685800"/>
+            <a:ext cx="6096000" cy="3429000"/>
+          </a:xfrm>
+          <a:custGeom>
+            <a:avLst/>
+            <a:gdLst/>
+            <a:ahLst/>
+            <a:cxnLst/>
+            <a:rect l="l" t="t" r="r" b="b"/>
+            <a:pathLst>
+              <a:path w="120000" h="120000" extrusionOk="0">
+                <a:moveTo>
+                  <a:pt x="0" y="0"/>
+                </a:moveTo>
+                <a:lnTo>
+                  <a:pt x="120000" y="0"/>
+                </a:lnTo>
+                <a:lnTo>
+                  <a:pt x="120000" y="120000"/>
+                </a:lnTo>
+                <a:lnTo>
+                  <a:pt x="0" y="120000"/>
+                </a:lnTo>
+                <a:close/>
+              </a:path>
+            </a:pathLst>
+          </a:custGeom>
+        </p:spPr>
+      </p:sp>
+      <p:sp>
+        <p:nvSpPr>
+          <p:cNvPr id="70" name="Google Shape;70;gf46d95386d_0_23:notes"/>
+          <p:cNvSpPr txBox="1">
+            <a:spLocks noGrp="1"/>
+          </p:cNvSpPr>
+          <p:nvPr>
+            <p:ph type="body" idx="1"/>
+          </p:nvPr>
+        </p:nvSpPr>
+        <p:spPr>
+          <a:xfrm>
+            <a:off x="685800" y="4343400"/>
+            <a:ext cx="5486400" cy="4114800"/>
+          </a:xfrm>
+          <a:prstGeom prst="rect">
+            <a:avLst/>
+          </a:prstGeom>
+        </p:spPr>
+        <p:txBody>
+          <a:bodyPr spcFirstLastPara="1" wrap="square" lIns="91425" tIns="91425" rIns="91425" bIns="91425" anchor="t" anchorCtr="0">
+            <a:noAutofit/>
+          </a:bodyPr>
+          <a:lstStyle/>
+          <a:p>
+            <a:pPr marL="0" lvl="0" indent="0" algn="l" rtl="0">
+              <a:spcBef>
+                <a:spcPts val="0"/>
+              </a:spcBef>
+              <a:spcAft>
+                <a:spcPts val="0"/>
+              </a:spcAft>
+              <a:buNone/>
+            </a:pPr>
+            <a:endParaRPr/>
+          </a:p>
+        </p:txBody>
+      </p:sp>
+    </p:spTree>
+    <p:extLst>
+      <p:ext uri="{BB962C8B-B14F-4D97-AF65-F5344CB8AC3E}">
+        <p14:creationId xmlns:p14="http://schemas.microsoft.com/office/powerpoint/2010/main" val="1064813869"/>
+      </p:ext>
+    </p:extLst>
+  </p:cSld>
+  <p:clrMapOvr>
+    <a:masterClrMapping/>
+  </p:clrMapOvr>
+</p:notes>
+</file>
+
+<file path=ppt/notesSlides/notesSlide22.xml><?xml version="1.0" encoding="utf-8"?>
+<p:notes xmlns:a="http://schemas.openxmlformats.org/drawingml/2006/main" xmlns:r="http://schemas.openxmlformats.org/officeDocument/2006/relationships" xmlns:p="http://schemas.openxmlformats.org/presentationml/2006/main" showMasterSp="0" showMasterPhAnim="0">
+  <p:cSld>
+    <p:spTree>
+      <p:nvGrpSpPr>
+        <p:cNvPr id="1" name="Shape 68"/>
+        <p:cNvGrpSpPr/>
+        <p:nvPr/>
+      </p:nvGrpSpPr>
+      <p:grpSpPr>
+        <a:xfrm>
+          <a:off x="0" y="0"/>
+          <a:ext cx="0" cy="0"/>
+          <a:chOff x="0" y="0"/>
+          <a:chExt cx="0" cy="0"/>
+        </a:xfrm>
+      </p:grpSpPr>
+      <p:sp>
+        <p:nvSpPr>
+          <p:cNvPr id="69" name="Google Shape;69;gf46d95386d_0_23:notes"/>
+          <p:cNvSpPr>
+            <a:spLocks noGrp="1" noRot="1" noChangeAspect="1"/>
+          </p:cNvSpPr>
+          <p:nvPr>
+            <p:ph type="sldImg" idx="2"/>
+          </p:nvPr>
+        </p:nvSpPr>
+        <p:spPr>
+          <a:xfrm>
+            <a:off x="381000" y="685800"/>
+            <a:ext cx="6096000" cy="3429000"/>
+          </a:xfrm>
+          <a:custGeom>
+            <a:avLst/>
+            <a:gdLst/>
+            <a:ahLst/>
+            <a:cxnLst/>
+            <a:rect l="l" t="t" r="r" b="b"/>
+            <a:pathLst>
+              <a:path w="120000" h="120000" extrusionOk="0">
+                <a:moveTo>
+                  <a:pt x="0" y="0"/>
+                </a:moveTo>
+                <a:lnTo>
+                  <a:pt x="120000" y="0"/>
+                </a:lnTo>
+                <a:lnTo>
+                  <a:pt x="120000" y="120000"/>
+                </a:lnTo>
+                <a:lnTo>
+                  <a:pt x="0" y="120000"/>
+                </a:lnTo>
+                <a:close/>
+              </a:path>
+            </a:pathLst>
+          </a:custGeom>
+        </p:spPr>
+      </p:sp>
+      <p:sp>
+        <p:nvSpPr>
+          <p:cNvPr id="70" name="Google Shape;70;gf46d95386d_0_23:notes"/>
+          <p:cNvSpPr txBox="1">
+            <a:spLocks noGrp="1"/>
+          </p:cNvSpPr>
+          <p:nvPr>
+            <p:ph type="body" idx="1"/>
+          </p:nvPr>
+        </p:nvSpPr>
+        <p:spPr>
+          <a:xfrm>
+            <a:off x="685800" y="4343400"/>
+            <a:ext cx="5486400" cy="4114800"/>
+          </a:xfrm>
+          <a:prstGeom prst="rect">
+            <a:avLst/>
+          </a:prstGeom>
+        </p:spPr>
+        <p:txBody>
+          <a:bodyPr spcFirstLastPara="1" wrap="square" lIns="91425" tIns="91425" rIns="91425" bIns="91425" anchor="t" anchorCtr="0">
+            <a:noAutofit/>
+          </a:bodyPr>
+          <a:lstStyle/>
+          <a:p>
+            <a:pPr marL="0" lvl="0" indent="0" algn="l" rtl="0">
+              <a:spcBef>
+                <a:spcPts val="0"/>
+              </a:spcBef>
+              <a:spcAft>
+                <a:spcPts val="0"/>
+              </a:spcAft>
+              <a:buNone/>
+            </a:pPr>
+            <a:endParaRPr/>
+          </a:p>
+        </p:txBody>
+      </p:sp>
+    </p:spTree>
+    <p:extLst>
+      <p:ext uri="{BB962C8B-B14F-4D97-AF65-F5344CB8AC3E}">
+        <p14:creationId xmlns:p14="http://schemas.microsoft.com/office/powerpoint/2010/main" val="3983845914"/>
+      </p:ext>
+    </p:extLst>
+  </p:cSld>
+  <p:clrMapOvr>
+    <a:masterClrMapping/>
+  </p:clrMapOvr>
+</p:notes>
+</file>
+
+<file path=ppt/notesSlides/notesSlide23.xml><?xml version="1.0" encoding="utf-8"?>
+<p:notes xmlns:a="http://schemas.openxmlformats.org/drawingml/2006/main" xmlns:r="http://schemas.openxmlformats.org/officeDocument/2006/relationships" xmlns:p="http://schemas.openxmlformats.org/presentationml/2006/main" showMasterSp="0" showMasterPhAnim="0">
+  <p:cSld>
+    <p:spTree>
+      <p:nvGrpSpPr>
+        <p:cNvPr id="1" name="Shape 68"/>
+        <p:cNvGrpSpPr/>
+        <p:nvPr/>
+      </p:nvGrpSpPr>
+      <p:grpSpPr>
+        <a:xfrm>
+          <a:off x="0" y="0"/>
+          <a:ext cx="0" cy="0"/>
+          <a:chOff x="0" y="0"/>
+          <a:chExt cx="0" cy="0"/>
+        </a:xfrm>
+      </p:grpSpPr>
+      <p:sp>
+        <p:nvSpPr>
+          <p:cNvPr id="69" name="Google Shape;69;gf46d95386d_0_23:notes"/>
+          <p:cNvSpPr>
+            <a:spLocks noGrp="1" noRot="1" noChangeAspect="1"/>
+          </p:cNvSpPr>
+          <p:nvPr>
+            <p:ph type="sldImg" idx="2"/>
+          </p:nvPr>
+        </p:nvSpPr>
+        <p:spPr>
+          <a:xfrm>
+            <a:off x="381000" y="685800"/>
+            <a:ext cx="6096000" cy="3429000"/>
+          </a:xfrm>
+          <a:custGeom>
+            <a:avLst/>
+            <a:gdLst/>
+            <a:ahLst/>
+            <a:cxnLst/>
+            <a:rect l="l" t="t" r="r" b="b"/>
+            <a:pathLst>
+              <a:path w="120000" h="120000" extrusionOk="0">
+                <a:moveTo>
+                  <a:pt x="0" y="0"/>
+                </a:moveTo>
+                <a:lnTo>
+                  <a:pt x="120000" y="0"/>
+                </a:lnTo>
+                <a:lnTo>
+                  <a:pt x="120000" y="120000"/>
+                </a:lnTo>
+                <a:lnTo>
+                  <a:pt x="0" y="120000"/>
+                </a:lnTo>
+                <a:close/>
+              </a:path>
+            </a:pathLst>
+          </a:custGeom>
+        </p:spPr>
+      </p:sp>
+      <p:sp>
+        <p:nvSpPr>
+          <p:cNvPr id="70" name="Google Shape;70;gf46d95386d_0_23:notes"/>
+          <p:cNvSpPr txBox="1">
+            <a:spLocks noGrp="1"/>
+          </p:cNvSpPr>
+          <p:nvPr>
+            <p:ph type="body" idx="1"/>
+          </p:nvPr>
+        </p:nvSpPr>
+        <p:spPr>
+          <a:xfrm>
+            <a:off x="685800" y="4343400"/>
+            <a:ext cx="5486400" cy="4114800"/>
+          </a:xfrm>
+          <a:prstGeom prst="rect">
+            <a:avLst/>
+          </a:prstGeom>
+        </p:spPr>
+        <p:txBody>
+          <a:bodyPr spcFirstLastPara="1" wrap="square" lIns="91425" tIns="91425" rIns="91425" bIns="91425" anchor="t" anchorCtr="0">
+            <a:noAutofit/>
+          </a:bodyPr>
+          <a:lstStyle/>
+          <a:p>
+            <a:pPr marL="0" lvl="0" indent="0" algn="l" rtl="0">
+              <a:spcBef>
+                <a:spcPts val="0"/>
+              </a:spcBef>
+              <a:spcAft>
+                <a:spcPts val="0"/>
+              </a:spcAft>
+              <a:buNone/>
+            </a:pPr>
+            <a:endParaRPr/>
+          </a:p>
+        </p:txBody>
+      </p:sp>
+    </p:spTree>
+    <p:extLst>
+      <p:ext uri="{BB962C8B-B14F-4D97-AF65-F5344CB8AC3E}">
+        <p14:creationId xmlns:p14="http://schemas.microsoft.com/office/powerpoint/2010/main" val="4155931124"/>
+      </p:ext>
+    </p:extLst>
+  </p:cSld>
+  <p:clrMapOvr>
+    <a:masterClrMapping/>
+  </p:clrMapOvr>
+</p:notes>
+</file>
+
+<file path=ppt/notesSlides/notesSlide24.xml><?xml version="1.0" encoding="utf-8"?>
+<p:notes xmlns:a="http://schemas.openxmlformats.org/drawingml/2006/main" xmlns:r="http://schemas.openxmlformats.org/officeDocument/2006/relationships" xmlns:p="http://schemas.openxmlformats.org/presentationml/2006/main" showMasterSp="0" showMasterPhAnim="0">
+  <p:cSld>
+    <p:spTree>
+      <p:nvGrpSpPr>
+        <p:cNvPr id="1" name="Shape 68"/>
+        <p:cNvGrpSpPr/>
+        <p:nvPr/>
+      </p:nvGrpSpPr>
+      <p:grpSpPr>
+        <a:xfrm>
+          <a:off x="0" y="0"/>
+          <a:ext cx="0" cy="0"/>
+          <a:chOff x="0" y="0"/>
+          <a:chExt cx="0" cy="0"/>
+        </a:xfrm>
+      </p:grpSpPr>
+      <p:sp>
+        <p:nvSpPr>
+          <p:cNvPr id="69" name="Google Shape;69;gf46d95386d_0_23:notes"/>
+          <p:cNvSpPr>
+            <a:spLocks noGrp="1" noRot="1" noChangeAspect="1"/>
+          </p:cNvSpPr>
+          <p:nvPr>
+            <p:ph type="sldImg" idx="2"/>
+          </p:nvPr>
+        </p:nvSpPr>
+        <p:spPr>
+          <a:xfrm>
+            <a:off x="381000" y="685800"/>
+            <a:ext cx="6096000" cy="3429000"/>
+          </a:xfrm>
+          <a:custGeom>
+            <a:avLst/>
+            <a:gdLst/>
+            <a:ahLst/>
+            <a:cxnLst/>
+            <a:rect l="l" t="t" r="r" b="b"/>
+            <a:pathLst>
+              <a:path w="120000" h="120000" extrusionOk="0">
+                <a:moveTo>
+                  <a:pt x="0" y="0"/>
+                </a:moveTo>
+                <a:lnTo>
+                  <a:pt x="120000" y="0"/>
+                </a:lnTo>
+                <a:lnTo>
+                  <a:pt x="120000" y="120000"/>
+                </a:lnTo>
+                <a:lnTo>
+                  <a:pt x="0" y="120000"/>
+                </a:lnTo>
+                <a:close/>
+              </a:path>
+            </a:pathLst>
+          </a:custGeom>
+        </p:spPr>
+      </p:sp>
+      <p:sp>
+        <p:nvSpPr>
+          <p:cNvPr id="70" name="Google Shape;70;gf46d95386d_0_23:notes"/>
+          <p:cNvSpPr txBox="1">
+            <a:spLocks noGrp="1"/>
+          </p:cNvSpPr>
+          <p:nvPr>
+            <p:ph type="body" idx="1"/>
+          </p:nvPr>
+        </p:nvSpPr>
+        <p:spPr>
+          <a:xfrm>
+            <a:off x="685800" y="4343400"/>
+            <a:ext cx="5486400" cy="4114800"/>
+          </a:xfrm>
+          <a:prstGeom prst="rect">
+            <a:avLst/>
+          </a:prstGeom>
+        </p:spPr>
+        <p:txBody>
+          <a:bodyPr spcFirstLastPara="1" wrap="square" lIns="91425" tIns="91425" rIns="91425" bIns="91425" anchor="t" anchorCtr="0">
+            <a:noAutofit/>
+          </a:bodyPr>
+          <a:lstStyle/>
+          <a:p>
+            <a:pPr marL="0" lvl="0" indent="0" algn="l" rtl="0">
+              <a:spcBef>
+                <a:spcPts val="0"/>
+              </a:spcBef>
+              <a:spcAft>
+                <a:spcPts val="0"/>
+              </a:spcAft>
+              <a:buNone/>
+            </a:pPr>
+            <a:endParaRPr/>
+          </a:p>
+        </p:txBody>
+      </p:sp>
+    </p:spTree>
+    <p:extLst>
+      <p:ext uri="{BB962C8B-B14F-4D97-AF65-F5344CB8AC3E}">
+        <p14:creationId xmlns:p14="http://schemas.microsoft.com/office/powerpoint/2010/main" val="1053229146"/>
+      </p:ext>
+    </p:extLst>
+  </p:cSld>
+  <p:clrMapOvr>
+    <a:masterClrMapping/>
+  </p:clrMapOvr>
+</p:notes>
+</file>
+
+<file path=ppt/notesSlides/notesSlide25.xml><?xml version="1.0" encoding="utf-8"?>
+<p:notes xmlns:a="http://schemas.openxmlformats.org/drawingml/2006/main" xmlns:r="http://schemas.openxmlformats.org/officeDocument/2006/relationships" xmlns:p="http://schemas.openxmlformats.org/presentationml/2006/main" showMasterSp="0" showMasterPhAnim="0">
+  <p:cSld>
+    <p:spTree>
+      <p:nvGrpSpPr>
+        <p:cNvPr id="1" name="Shape 68"/>
+        <p:cNvGrpSpPr/>
+        <p:nvPr/>
+      </p:nvGrpSpPr>
+      <p:grpSpPr>
+        <a:xfrm>
+          <a:off x="0" y="0"/>
+          <a:ext cx="0" cy="0"/>
+          <a:chOff x="0" y="0"/>
+          <a:chExt cx="0" cy="0"/>
+        </a:xfrm>
+      </p:grpSpPr>
+      <p:sp>
+        <p:nvSpPr>
+          <p:cNvPr id="69" name="Google Shape;69;gf46d95386d_0_23:notes"/>
+          <p:cNvSpPr>
+            <a:spLocks noGrp="1" noRot="1" noChangeAspect="1"/>
+          </p:cNvSpPr>
+          <p:nvPr>
+            <p:ph type="sldImg" idx="2"/>
+          </p:nvPr>
+        </p:nvSpPr>
+        <p:spPr>
+          <a:xfrm>
+            <a:off x="381000" y="685800"/>
+            <a:ext cx="6096000" cy="3429000"/>
+          </a:xfrm>
+          <a:custGeom>
+            <a:avLst/>
+            <a:gdLst/>
+            <a:ahLst/>
+            <a:cxnLst/>
+            <a:rect l="l" t="t" r="r" b="b"/>
+            <a:pathLst>
+              <a:path w="120000" h="120000" extrusionOk="0">
+                <a:moveTo>
+                  <a:pt x="0" y="0"/>
+                </a:moveTo>
+                <a:lnTo>
+                  <a:pt x="120000" y="0"/>
+                </a:lnTo>
+                <a:lnTo>
+                  <a:pt x="120000" y="120000"/>
+                </a:lnTo>
+                <a:lnTo>
+                  <a:pt x="0" y="120000"/>
+                </a:lnTo>
+                <a:close/>
+              </a:path>
+            </a:pathLst>
+          </a:custGeom>
+        </p:spPr>
+      </p:sp>
+      <p:sp>
+        <p:nvSpPr>
+          <p:cNvPr id="70" name="Google Shape;70;gf46d95386d_0_23:notes"/>
+          <p:cNvSpPr txBox="1">
+            <a:spLocks noGrp="1"/>
+          </p:cNvSpPr>
+          <p:nvPr>
+            <p:ph type="body" idx="1"/>
+          </p:nvPr>
+        </p:nvSpPr>
+        <p:spPr>
+          <a:xfrm>
+            <a:off x="685800" y="4343400"/>
+            <a:ext cx="5486400" cy="4114800"/>
+          </a:xfrm>
+          <a:prstGeom prst="rect">
+            <a:avLst/>
+          </a:prstGeom>
+        </p:spPr>
+        <p:txBody>
+          <a:bodyPr spcFirstLastPara="1" wrap="square" lIns="91425" tIns="91425" rIns="91425" bIns="91425" anchor="t" anchorCtr="0">
+            <a:noAutofit/>
+          </a:bodyPr>
+          <a:lstStyle/>
+          <a:p>
+            <a:pPr marL="0" lvl="0" indent="0" algn="l" rtl="0">
+              <a:spcBef>
+                <a:spcPts val="0"/>
+              </a:spcBef>
+              <a:spcAft>
+                <a:spcPts val="0"/>
+              </a:spcAft>
+              <a:buNone/>
+            </a:pPr>
+            <a:endParaRPr/>
+          </a:p>
+        </p:txBody>
+      </p:sp>
+    </p:spTree>
+    <p:extLst>
+      <p:ext uri="{BB962C8B-B14F-4D97-AF65-F5344CB8AC3E}">
+        <p14:creationId xmlns:p14="http://schemas.microsoft.com/office/powerpoint/2010/main" val="4195177750"/>
+      </p:ext>
+    </p:extLst>
+  </p:cSld>
+  <p:clrMapOvr>
+    <a:masterClrMapping/>
+  </p:clrMapOvr>
+</p:notes>
+</file>
+
 <file path=ppt/notesSlides/notesSlide3.xml><?xml version="1.0" encoding="utf-8"?>
 <p:notes xmlns:a="http://schemas.openxmlformats.org/drawingml/2006/main" xmlns:r="http://schemas.openxmlformats.org/officeDocument/2006/relationships" xmlns:p="http://schemas.openxmlformats.org/presentationml/2006/main" showMasterSp="0" showMasterPhAnim="0">
   <p:cSld>
@@ -17940,7 +18600,7 @@
         <p:spPr>
           <a:xfrm>
             <a:off x="249151" y="1360659"/>
-            <a:ext cx="8266500" cy="1595278"/>
+            <a:ext cx="8266500" cy="1877407"/>
           </a:xfrm>
           <a:prstGeom prst="rect">
             <a:avLst/>
@@ -17955,6 +18615,35 @@
             <a:spAutoFit/>
           </a:bodyPr>
           <a:lstStyle/>
+          <a:p>
+            <a:pPr marL="146050" lvl="0" algn="just" rtl="0">
+              <a:lnSpc>
+                <a:spcPts val="2200"/>
+              </a:lnSpc>
+              <a:spcBef>
+                <a:spcPts val="0"/>
+              </a:spcBef>
+              <a:spcAft>
+                <a:spcPts val="0"/>
+              </a:spcAft>
+              <a:buClr>
+                <a:schemeClr val="dk1"/>
+              </a:buClr>
+              <a:buSzPts val="1300"/>
+            </a:pPr>
+            <a:endParaRPr lang="it-IT" sz="2000" dirty="0">
+              <a:solidFill>
+                <a:srgbClr val="050607"/>
+              </a:solidFill>
+              <a:highlight>
+                <a:srgbClr val="FFFFFF"/>
+              </a:highlight>
+              <a:latin typeface="Verdana" panose="020B0604030504040204" pitchFamily="34" charset="0"/>
+              <a:ea typeface="Verdana" panose="020B0604030504040204" pitchFamily="34" charset="0"/>
+              <a:cs typeface="Merriweather"/>
+              <a:sym typeface="Merriweather"/>
+            </a:endParaRPr>
+          </a:p>
           <a:p>
             <a:pPr marL="146050" lvl="0" algn="just" rtl="0">
               <a:lnSpc>
@@ -19234,6 +19923,66 @@
           </a:ln>
         </p:spPr>
       </p:pic>
+      <p:pic>
+        <p:nvPicPr>
+          <p:cNvPr id="5" name="Immagine 4" descr="Immagine che contiene testo, schermata, diagramma, Policromia&#10;&#10;Descrizione generata automaticamente">
+            <a:extLst>
+              <a:ext uri="{FF2B5EF4-FFF2-40B4-BE49-F238E27FC236}">
+                <a16:creationId xmlns:a16="http://schemas.microsoft.com/office/drawing/2014/main" id="{628A3E1D-A552-7661-EB1D-DFF46F7130BA}"/>
+              </a:ext>
+            </a:extLst>
+          </p:cNvPr>
+          <p:cNvPicPr>
+            <a:picLocks noChangeAspect="1"/>
+          </p:cNvPicPr>
+          <p:nvPr/>
+        </p:nvPicPr>
+        <p:blipFill>
+          <a:blip r:embed="rId4"/>
+          <a:stretch>
+            <a:fillRect/>
+          </a:stretch>
+        </p:blipFill>
+        <p:spPr>
+          <a:xfrm>
+            <a:off x="306302" y="2571750"/>
+            <a:ext cx="3165562" cy="2371979"/>
+          </a:xfrm>
+          <a:prstGeom prst="rect">
+            <a:avLst/>
+          </a:prstGeom>
+        </p:spPr>
+      </p:pic>
+      <p:pic>
+        <p:nvPicPr>
+          <p:cNvPr id="6" name="Immagine 5">
+            <a:extLst>
+              <a:ext uri="{FF2B5EF4-FFF2-40B4-BE49-F238E27FC236}">
+                <a16:creationId xmlns:a16="http://schemas.microsoft.com/office/drawing/2014/main" id="{860C4D6B-E783-1183-6CCD-50A9DE5347C1}"/>
+              </a:ext>
+            </a:extLst>
+          </p:cNvPr>
+          <p:cNvPicPr>
+            <a:picLocks noChangeAspect="1"/>
+          </p:cNvPicPr>
+          <p:nvPr/>
+        </p:nvPicPr>
+        <p:blipFill>
+          <a:blip r:embed="rId5"/>
+          <a:stretch>
+            <a:fillRect/>
+          </a:stretch>
+        </p:blipFill>
+        <p:spPr>
+          <a:xfrm>
+            <a:off x="4084584" y="3013814"/>
+            <a:ext cx="4431067" cy="1410250"/>
+          </a:xfrm>
+          <a:prstGeom prst="rect">
+            <a:avLst/>
+          </a:prstGeom>
+        </p:spPr>
+      </p:pic>
     </p:spTree>
     <p:extLst>
       <p:ext uri="{BB962C8B-B14F-4D97-AF65-F5344CB8AC3E}">
@@ -19757,6 +20506,3177 @@
         </p:spPr>
       </p:pic>
     </p:spTree>
+  </p:cSld>
+  <p:clrMapOvr>
+    <a:masterClrMapping/>
+  </p:clrMapOvr>
+</p:sld>
+</file>
+
+<file path=ppt/slides/slide20.xml><?xml version="1.0" encoding="utf-8"?>
+<p:sld xmlns:a="http://schemas.openxmlformats.org/drawingml/2006/main" xmlns:r="http://schemas.openxmlformats.org/officeDocument/2006/relationships" xmlns:p="http://schemas.openxmlformats.org/presentationml/2006/main">
+  <p:cSld>
+    <p:spTree>
+      <p:nvGrpSpPr>
+        <p:cNvPr id="1" name="Shape 71"/>
+        <p:cNvGrpSpPr/>
+        <p:nvPr/>
+      </p:nvGrpSpPr>
+      <p:grpSpPr>
+        <a:xfrm>
+          <a:off x="0" y="0"/>
+          <a:ext cx="0" cy="0"/>
+          <a:chOff x="0" y="0"/>
+          <a:chExt cx="0" cy="0"/>
+        </a:xfrm>
+      </p:grpSpPr>
+      <p:sp>
+        <p:nvSpPr>
+          <p:cNvPr id="72" name="Google Shape;72;p14"/>
+          <p:cNvSpPr/>
+          <p:nvPr/>
+        </p:nvSpPr>
+        <p:spPr>
+          <a:xfrm>
+            <a:off x="0" y="0"/>
+            <a:ext cx="9144000" cy="657000"/>
+          </a:xfrm>
+          <a:prstGeom prst="rect">
+            <a:avLst/>
+          </a:prstGeom>
+          <a:solidFill>
+            <a:schemeClr val="accent5">
+              <a:lumMod val="75000"/>
+            </a:schemeClr>
+          </a:solidFill>
+          <a:ln w="9525" cap="flat" cmpd="sng">
+            <a:solidFill>
+              <a:schemeClr val="dk2"/>
+            </a:solidFill>
+            <a:prstDash val="solid"/>
+            <a:round/>
+            <a:headEnd type="none" w="sm" len="sm"/>
+            <a:tailEnd type="none" w="sm" len="sm"/>
+          </a:ln>
+        </p:spPr>
+        <p:txBody>
+          <a:bodyPr spcFirstLastPara="1" wrap="square" lIns="91425" tIns="91425" rIns="91425" bIns="91425" anchor="ctr" anchorCtr="0">
+            <a:noAutofit/>
+          </a:bodyPr>
+          <a:lstStyle/>
+          <a:p>
+            <a:pPr marL="0" lvl="0" indent="0" algn="l" rtl="0">
+              <a:spcBef>
+                <a:spcPts val="0"/>
+              </a:spcBef>
+              <a:spcAft>
+                <a:spcPts val="0"/>
+              </a:spcAft>
+              <a:buNone/>
+            </a:pPr>
+            <a:endParaRPr>
+              <a:solidFill>
+                <a:schemeClr val="dk1"/>
+              </a:solidFill>
+              <a:highlight>
+                <a:schemeClr val="dk1"/>
+              </a:highlight>
+            </a:endParaRPr>
+          </a:p>
+        </p:txBody>
+      </p:sp>
+      <p:sp>
+        <p:nvSpPr>
+          <p:cNvPr id="73" name="Google Shape;73;p14"/>
+          <p:cNvSpPr txBox="1"/>
+          <p:nvPr/>
+        </p:nvSpPr>
+        <p:spPr>
+          <a:xfrm>
+            <a:off x="249249" y="54900"/>
+            <a:ext cx="8715137" cy="553968"/>
+          </a:xfrm>
+          <a:prstGeom prst="rect">
+            <a:avLst/>
+          </a:prstGeom>
+          <a:noFill/>
+          <a:ln>
+            <a:noFill/>
+          </a:ln>
+        </p:spPr>
+        <p:txBody>
+          <a:bodyPr spcFirstLastPara="1" wrap="square" lIns="91425" tIns="91425" rIns="91425" bIns="91425" anchor="t" anchorCtr="0">
+            <a:spAutoFit/>
+          </a:bodyPr>
+          <a:lstStyle/>
+          <a:p>
+            <a:pPr marL="0" lvl="0" indent="0" algn="l" rtl="0">
+              <a:spcBef>
+                <a:spcPts val="0"/>
+              </a:spcBef>
+              <a:spcAft>
+                <a:spcPts val="0"/>
+              </a:spcAft>
+              <a:buNone/>
+            </a:pPr>
+            <a:r>
+              <a:rPr lang="it" sz="2400" b="1" dirty="0">
+                <a:solidFill>
+                  <a:schemeClr val="lt1"/>
+                </a:solidFill>
+                <a:latin typeface="Verdana" panose="020B0604030504040204" pitchFamily="34" charset="0"/>
+                <a:ea typeface="Verdana" panose="020B0604030504040204" pitchFamily="34" charset="0"/>
+                <a:cs typeface="Merriweather"/>
+                <a:sym typeface="Merriweather"/>
+              </a:rPr>
+              <a:t>MODELLI</a:t>
+            </a:r>
+          </a:p>
+        </p:txBody>
+      </p:sp>
+      <p:sp>
+        <p:nvSpPr>
+          <p:cNvPr id="76" name="Google Shape;76;p14"/>
+          <p:cNvSpPr txBox="1"/>
+          <p:nvPr/>
+        </p:nvSpPr>
+        <p:spPr>
+          <a:xfrm>
+            <a:off x="249151" y="1360659"/>
+            <a:ext cx="8266500" cy="3852306"/>
+          </a:xfrm>
+          <a:prstGeom prst="rect">
+            <a:avLst/>
+          </a:prstGeom>
+          <a:noFill/>
+          <a:ln>
+            <a:noFill/>
+          </a:ln>
+        </p:spPr>
+        <p:txBody>
+          <a:bodyPr spcFirstLastPara="1" wrap="square" lIns="91425" tIns="91425" rIns="91425" bIns="91425" anchor="t" anchorCtr="0">
+            <a:spAutoFit/>
+          </a:bodyPr>
+          <a:lstStyle/>
+          <a:p>
+            <a:pPr marL="146050" lvl="0" algn="just" rtl="0">
+              <a:lnSpc>
+                <a:spcPts val="2200"/>
+              </a:lnSpc>
+              <a:spcBef>
+                <a:spcPts val="0"/>
+              </a:spcBef>
+              <a:spcAft>
+                <a:spcPts val="0"/>
+              </a:spcAft>
+              <a:buClr>
+                <a:schemeClr val="dk1"/>
+              </a:buClr>
+              <a:buSzPts val="1300"/>
+            </a:pPr>
+            <a:r>
+              <a:rPr lang="it-IT" sz="2000" dirty="0">
+                <a:solidFill>
+                  <a:srgbClr val="050607"/>
+                </a:solidFill>
+                <a:highlight>
+                  <a:srgbClr val="FFFFFF"/>
+                </a:highlight>
+                <a:latin typeface="Verdana" panose="020B0604030504040204" pitchFamily="34" charset="0"/>
+                <a:ea typeface="Verdana" panose="020B0604030504040204" pitchFamily="34" charset="0"/>
+                <a:cs typeface="Merriweather"/>
+                <a:sym typeface="Merriweather"/>
+              </a:rPr>
+              <a:t>Sono state addestrate 3 versioni di </a:t>
+            </a:r>
+            <a:r>
+              <a:rPr lang="it-IT" sz="2000" dirty="0" err="1">
+                <a:solidFill>
+                  <a:srgbClr val="050607"/>
+                </a:solidFill>
+                <a:highlight>
+                  <a:srgbClr val="FFFFFF"/>
+                </a:highlight>
+                <a:latin typeface="Verdana" panose="020B0604030504040204" pitchFamily="34" charset="0"/>
+                <a:ea typeface="Verdana" panose="020B0604030504040204" pitchFamily="34" charset="0"/>
+                <a:cs typeface="Merriweather"/>
+                <a:sym typeface="Merriweather"/>
+              </a:rPr>
+              <a:t>Autoencoder</a:t>
+            </a:r>
+            <a:r>
+              <a:rPr lang="it-IT" sz="2000" dirty="0">
+                <a:solidFill>
+                  <a:srgbClr val="050607"/>
+                </a:solidFill>
+                <a:highlight>
+                  <a:srgbClr val="FFFFFF"/>
+                </a:highlight>
+                <a:latin typeface="Verdana" panose="020B0604030504040204" pitchFamily="34" charset="0"/>
+                <a:ea typeface="Verdana" panose="020B0604030504040204" pitchFamily="34" charset="0"/>
+                <a:cs typeface="Merriweather"/>
+                <a:sym typeface="Merriweather"/>
+              </a:rPr>
+              <a:t>, che usano stesse funzioni di attivazione e stessa loss:</a:t>
+            </a:r>
+          </a:p>
+          <a:p>
+            <a:pPr marL="603250" lvl="0" indent="-457200" algn="just" rtl="0">
+              <a:lnSpc>
+                <a:spcPts val="2200"/>
+              </a:lnSpc>
+              <a:spcBef>
+                <a:spcPts val="0"/>
+              </a:spcBef>
+              <a:spcAft>
+                <a:spcPts val="0"/>
+              </a:spcAft>
+              <a:buClr>
+                <a:schemeClr val="dk1"/>
+              </a:buClr>
+              <a:buSzPts val="1300"/>
+              <a:buFont typeface="+mj-lt"/>
+              <a:buAutoNum type="arabicPeriod"/>
+            </a:pPr>
+            <a:endParaRPr lang="it-IT" sz="2000" dirty="0">
+              <a:solidFill>
+                <a:srgbClr val="050607"/>
+              </a:solidFill>
+              <a:highlight>
+                <a:srgbClr val="FFFFFF"/>
+              </a:highlight>
+              <a:latin typeface="Verdana" panose="020B0604030504040204" pitchFamily="34" charset="0"/>
+              <a:ea typeface="Verdana" panose="020B0604030504040204" pitchFamily="34" charset="0"/>
+              <a:cs typeface="Merriweather"/>
+              <a:sym typeface="Merriweather"/>
+            </a:endParaRPr>
+          </a:p>
+          <a:p>
+            <a:pPr marL="603250" lvl="0" indent="-457200" algn="just" rtl="0">
+              <a:lnSpc>
+                <a:spcPts val="2200"/>
+              </a:lnSpc>
+              <a:spcBef>
+                <a:spcPts val="0"/>
+              </a:spcBef>
+              <a:spcAft>
+                <a:spcPts val="0"/>
+              </a:spcAft>
+              <a:buClr>
+                <a:schemeClr val="dk1"/>
+              </a:buClr>
+              <a:buSzPts val="1300"/>
+              <a:buFont typeface="+mj-lt"/>
+              <a:buAutoNum type="arabicPeriod"/>
+            </a:pPr>
+            <a:r>
+              <a:rPr lang="it-IT" sz="2000" dirty="0">
+                <a:solidFill>
+                  <a:srgbClr val="050607"/>
+                </a:solidFill>
+                <a:highlight>
+                  <a:srgbClr val="FFFFFF"/>
+                </a:highlight>
+                <a:latin typeface="Verdana" panose="020B0604030504040204" pitchFamily="34" charset="0"/>
+                <a:ea typeface="Verdana" panose="020B0604030504040204" pitchFamily="34" charset="0"/>
+                <a:cs typeface="Merriweather"/>
+                <a:sym typeface="Merriweather"/>
+              </a:rPr>
+              <a:t>Struttura con 20-10-5-10-20 neuroni nei rispettivi strati.</a:t>
+            </a:r>
+          </a:p>
+          <a:p>
+            <a:pPr marL="603250" lvl="0" indent="-457200" algn="just" rtl="0">
+              <a:lnSpc>
+                <a:spcPts val="2200"/>
+              </a:lnSpc>
+              <a:spcBef>
+                <a:spcPts val="0"/>
+              </a:spcBef>
+              <a:spcAft>
+                <a:spcPts val="0"/>
+              </a:spcAft>
+              <a:buClr>
+                <a:schemeClr val="dk1"/>
+              </a:buClr>
+              <a:buSzPts val="1300"/>
+              <a:buFont typeface="+mj-lt"/>
+              <a:buAutoNum type="arabicPeriod"/>
+            </a:pPr>
+            <a:endParaRPr lang="it-IT" sz="2000" dirty="0">
+              <a:solidFill>
+                <a:srgbClr val="050607"/>
+              </a:solidFill>
+              <a:highlight>
+                <a:srgbClr val="FFFFFF"/>
+              </a:highlight>
+              <a:latin typeface="Verdana" panose="020B0604030504040204" pitchFamily="34" charset="0"/>
+              <a:ea typeface="Verdana" panose="020B0604030504040204" pitchFamily="34" charset="0"/>
+              <a:cs typeface="Merriweather"/>
+              <a:sym typeface="Merriweather"/>
+            </a:endParaRPr>
+          </a:p>
+          <a:p>
+            <a:pPr marL="603250" indent="-457200" algn="just">
+              <a:lnSpc>
+                <a:spcPts val="2200"/>
+              </a:lnSpc>
+              <a:buClr>
+                <a:schemeClr val="dk1"/>
+              </a:buClr>
+              <a:buSzPts val="1300"/>
+              <a:buFont typeface="+mj-lt"/>
+              <a:buAutoNum type="arabicPeriod"/>
+            </a:pPr>
+            <a:r>
+              <a:rPr lang="it-IT" sz="2000" dirty="0">
+                <a:solidFill>
+                  <a:srgbClr val="050607"/>
+                </a:solidFill>
+                <a:highlight>
+                  <a:srgbClr val="FFFFFF"/>
+                </a:highlight>
+                <a:latin typeface="Verdana" panose="020B0604030504040204" pitchFamily="34" charset="0"/>
+                <a:ea typeface="Verdana" panose="020B0604030504040204" pitchFamily="34" charset="0"/>
+                <a:cs typeface="Merriweather"/>
+                <a:sym typeface="Merriweather"/>
+              </a:rPr>
+              <a:t>Struttura con 40-20-10-20-40 neuroni nei rispettivi strati.</a:t>
+            </a:r>
+          </a:p>
+          <a:p>
+            <a:pPr marL="603250" lvl="0" indent="-457200" algn="just" rtl="0">
+              <a:lnSpc>
+                <a:spcPts val="2200"/>
+              </a:lnSpc>
+              <a:spcBef>
+                <a:spcPts val="0"/>
+              </a:spcBef>
+              <a:spcAft>
+                <a:spcPts val="0"/>
+              </a:spcAft>
+              <a:buClr>
+                <a:schemeClr val="dk1"/>
+              </a:buClr>
+              <a:buSzPts val="1300"/>
+              <a:buFont typeface="+mj-lt"/>
+              <a:buAutoNum type="arabicPeriod"/>
+            </a:pPr>
+            <a:endParaRPr lang="it-IT" sz="2000" dirty="0">
+              <a:solidFill>
+                <a:srgbClr val="050607"/>
+              </a:solidFill>
+              <a:highlight>
+                <a:srgbClr val="FFFFFF"/>
+              </a:highlight>
+              <a:latin typeface="Verdana" panose="020B0604030504040204" pitchFamily="34" charset="0"/>
+              <a:ea typeface="Verdana" panose="020B0604030504040204" pitchFamily="34" charset="0"/>
+              <a:cs typeface="Merriweather"/>
+              <a:sym typeface="Merriweather"/>
+            </a:endParaRPr>
+          </a:p>
+          <a:p>
+            <a:pPr marL="603250" indent="-457200" algn="just">
+              <a:lnSpc>
+                <a:spcPts val="2200"/>
+              </a:lnSpc>
+              <a:buClr>
+                <a:schemeClr val="dk1"/>
+              </a:buClr>
+              <a:buSzPts val="1300"/>
+              <a:buFont typeface="+mj-lt"/>
+              <a:buAutoNum type="arabicPeriod"/>
+            </a:pPr>
+            <a:r>
+              <a:rPr lang="it-IT" sz="2000" dirty="0">
+                <a:solidFill>
+                  <a:srgbClr val="050607"/>
+                </a:solidFill>
+                <a:highlight>
+                  <a:srgbClr val="FFFFFF"/>
+                </a:highlight>
+                <a:latin typeface="Verdana" panose="020B0604030504040204" pitchFamily="34" charset="0"/>
+                <a:ea typeface="Verdana" panose="020B0604030504040204" pitchFamily="34" charset="0"/>
+                <a:cs typeface="Merriweather"/>
+                <a:sym typeface="Merriweather"/>
+              </a:rPr>
+              <a:t>Struttura con 35-20-10-5-10-20-35 neuroni nei rispettivi strati.</a:t>
+            </a:r>
+          </a:p>
+          <a:p>
+            <a:pPr marL="603250" lvl="0" indent="-457200" algn="just" rtl="0">
+              <a:lnSpc>
+                <a:spcPts val="2200"/>
+              </a:lnSpc>
+              <a:spcBef>
+                <a:spcPts val="0"/>
+              </a:spcBef>
+              <a:spcAft>
+                <a:spcPts val="0"/>
+              </a:spcAft>
+              <a:buClr>
+                <a:schemeClr val="dk1"/>
+              </a:buClr>
+              <a:buSzPts val="1300"/>
+              <a:buFont typeface="+mj-lt"/>
+              <a:buAutoNum type="arabicPeriod"/>
+            </a:pPr>
+            <a:endParaRPr lang="it-IT" sz="2000" dirty="0">
+              <a:solidFill>
+                <a:srgbClr val="050607"/>
+              </a:solidFill>
+              <a:highlight>
+                <a:srgbClr val="FFFFFF"/>
+              </a:highlight>
+              <a:latin typeface="Verdana" panose="020B0604030504040204" pitchFamily="34" charset="0"/>
+              <a:ea typeface="Verdana" panose="020B0604030504040204" pitchFamily="34" charset="0"/>
+              <a:cs typeface="Merriweather"/>
+              <a:sym typeface="Merriweather"/>
+            </a:endParaRPr>
+          </a:p>
+          <a:p>
+            <a:pPr marL="603250" lvl="0" indent="-457200" algn="just" rtl="0">
+              <a:lnSpc>
+                <a:spcPts val="2200"/>
+              </a:lnSpc>
+              <a:spcBef>
+                <a:spcPts val="0"/>
+              </a:spcBef>
+              <a:spcAft>
+                <a:spcPts val="0"/>
+              </a:spcAft>
+              <a:buClr>
+                <a:schemeClr val="dk1"/>
+              </a:buClr>
+              <a:buSzPts val="1300"/>
+              <a:buFont typeface="+mj-lt"/>
+              <a:buAutoNum type="arabicPeriod"/>
+            </a:pPr>
+            <a:endParaRPr lang="it-IT" sz="2000" dirty="0">
+              <a:solidFill>
+                <a:srgbClr val="050607"/>
+              </a:solidFill>
+              <a:highlight>
+                <a:srgbClr val="FFFFFF"/>
+              </a:highlight>
+              <a:latin typeface="Verdana" panose="020B0604030504040204" pitchFamily="34" charset="0"/>
+              <a:ea typeface="Verdana" panose="020B0604030504040204" pitchFamily="34" charset="0"/>
+              <a:cs typeface="Merriweather"/>
+              <a:sym typeface="Merriweather"/>
+            </a:endParaRPr>
+          </a:p>
+          <a:p>
+            <a:pPr marL="146050" lvl="0" algn="just" rtl="0">
+              <a:lnSpc>
+                <a:spcPts val="2200"/>
+              </a:lnSpc>
+              <a:spcBef>
+                <a:spcPts val="0"/>
+              </a:spcBef>
+              <a:spcAft>
+                <a:spcPts val="0"/>
+              </a:spcAft>
+              <a:buClr>
+                <a:schemeClr val="dk1"/>
+              </a:buClr>
+              <a:buSzPts val="1300"/>
+            </a:pPr>
+            <a:endParaRPr lang="it-IT" sz="2000" dirty="0">
+              <a:solidFill>
+                <a:srgbClr val="050607"/>
+              </a:solidFill>
+              <a:highlight>
+                <a:srgbClr val="FFFFFF"/>
+              </a:highlight>
+              <a:latin typeface="Verdana" panose="020B0604030504040204" pitchFamily="34" charset="0"/>
+              <a:ea typeface="Verdana" panose="020B0604030504040204" pitchFamily="34" charset="0"/>
+              <a:cs typeface="Merriweather"/>
+              <a:sym typeface="Merriweather"/>
+            </a:endParaRPr>
+          </a:p>
+          <a:p>
+            <a:pPr marL="146050" lvl="0" algn="just" rtl="0">
+              <a:lnSpc>
+                <a:spcPts val="2200"/>
+              </a:lnSpc>
+              <a:spcBef>
+                <a:spcPts val="0"/>
+              </a:spcBef>
+              <a:spcAft>
+                <a:spcPts val="0"/>
+              </a:spcAft>
+              <a:buClr>
+                <a:schemeClr val="dk1"/>
+              </a:buClr>
+              <a:buSzPts val="1300"/>
+            </a:pPr>
+            <a:endParaRPr lang="it-IT" sz="2000" dirty="0">
+              <a:solidFill>
+                <a:srgbClr val="050607"/>
+              </a:solidFill>
+              <a:highlight>
+                <a:srgbClr val="FFFFFF"/>
+              </a:highlight>
+              <a:latin typeface="Verdana" panose="020B0604030504040204" pitchFamily="34" charset="0"/>
+              <a:ea typeface="Verdana" panose="020B0604030504040204" pitchFamily="34" charset="0"/>
+              <a:cs typeface="Merriweather"/>
+              <a:sym typeface="Merriweather"/>
+            </a:endParaRPr>
+          </a:p>
+        </p:txBody>
+      </p:sp>
+      <p:sp>
+        <p:nvSpPr>
+          <p:cNvPr id="2" name="Google Shape;93;p16">
+            <a:extLst>
+              <a:ext uri="{FF2B5EF4-FFF2-40B4-BE49-F238E27FC236}">
+                <a16:creationId xmlns:a16="http://schemas.microsoft.com/office/drawing/2014/main" id="{D5A0C16B-A1BE-1287-CEA6-C70068AD519B}"/>
+              </a:ext>
+            </a:extLst>
+          </p:cNvPr>
+          <p:cNvSpPr txBox="1"/>
+          <p:nvPr/>
+        </p:nvSpPr>
+        <p:spPr>
+          <a:xfrm>
+            <a:off x="774000" y="719436"/>
+            <a:ext cx="7596000" cy="1477297"/>
+          </a:xfrm>
+          <a:prstGeom prst="rect">
+            <a:avLst/>
+          </a:prstGeom>
+          <a:noFill/>
+          <a:ln>
+            <a:noFill/>
+          </a:ln>
+        </p:spPr>
+        <p:txBody>
+          <a:bodyPr spcFirstLastPara="1" wrap="square" lIns="91425" tIns="91425" rIns="91425" bIns="91425" anchor="t" anchorCtr="0">
+            <a:spAutoFit/>
+          </a:bodyPr>
+          <a:lstStyle/>
+          <a:p>
+            <a:pPr algn="ctr"/>
+            <a:r>
+              <a:rPr lang="it-IT" sz="2800" b="1" dirty="0" err="1">
+                <a:solidFill>
+                  <a:srgbClr val="050607"/>
+                </a:solidFill>
+                <a:highlight>
+                  <a:srgbClr val="FFFFFF"/>
+                </a:highlight>
+                <a:latin typeface="+mn-lt"/>
+                <a:ea typeface="Verdana" panose="020B0604030504040204" pitchFamily="34" charset="0"/>
+                <a:cs typeface="Times New Roman" panose="02020603050405020304" pitchFamily="18" charset="0"/>
+                <a:sym typeface="Merriweather"/>
+              </a:rPr>
+              <a:t>Autoencoder</a:t>
+            </a:r>
+            <a:r>
+              <a:rPr lang="it-IT" sz="2800" b="1" dirty="0">
+                <a:solidFill>
+                  <a:srgbClr val="050607"/>
+                </a:solidFill>
+                <a:highlight>
+                  <a:srgbClr val="FFFFFF"/>
+                </a:highlight>
+                <a:latin typeface="+mn-lt"/>
+                <a:ea typeface="Verdana" panose="020B0604030504040204" pitchFamily="34" charset="0"/>
+                <a:cs typeface="Times New Roman" panose="02020603050405020304" pitchFamily="18" charset="0"/>
+                <a:sym typeface="Merriweather"/>
+              </a:rPr>
+              <a:t>: addestramento</a:t>
+            </a:r>
+          </a:p>
+          <a:p>
+            <a:pPr marL="0" lvl="0" indent="0" algn="ctr" rtl="0">
+              <a:spcBef>
+                <a:spcPts val="0"/>
+              </a:spcBef>
+              <a:spcAft>
+                <a:spcPts val="0"/>
+              </a:spcAft>
+              <a:buNone/>
+            </a:pPr>
+            <a:endParaRPr sz="2800" b="1" dirty="0">
+              <a:solidFill>
+                <a:srgbClr val="050607"/>
+              </a:solidFill>
+              <a:latin typeface="+mn-lt"/>
+              <a:ea typeface="Merriweather"/>
+              <a:cs typeface="Merriweather"/>
+              <a:sym typeface="Merriweather"/>
+            </a:endParaRPr>
+          </a:p>
+          <a:p>
+            <a:pPr marL="0" lvl="0" indent="0" algn="l" rtl="0">
+              <a:spcBef>
+                <a:spcPts val="0"/>
+              </a:spcBef>
+              <a:spcAft>
+                <a:spcPts val="0"/>
+              </a:spcAft>
+              <a:buNone/>
+            </a:pPr>
+            <a:endParaRPr dirty="0">
+              <a:solidFill>
+                <a:schemeClr val="dk1"/>
+              </a:solidFill>
+              <a:latin typeface="Roboto"/>
+              <a:ea typeface="Roboto"/>
+              <a:cs typeface="Roboto"/>
+              <a:sym typeface="Roboto"/>
+            </a:endParaRPr>
+          </a:p>
+          <a:p>
+            <a:pPr marL="457200" lvl="0" indent="0" algn="l" rtl="0">
+              <a:spcBef>
+                <a:spcPts val="0"/>
+              </a:spcBef>
+              <a:spcAft>
+                <a:spcPts val="0"/>
+              </a:spcAft>
+              <a:buNone/>
+            </a:pPr>
+            <a:endParaRPr dirty="0">
+              <a:solidFill>
+                <a:schemeClr val="dk1"/>
+              </a:solidFill>
+              <a:latin typeface="Roboto"/>
+              <a:ea typeface="Roboto"/>
+              <a:cs typeface="Roboto"/>
+              <a:sym typeface="Roboto"/>
+            </a:endParaRPr>
+          </a:p>
+        </p:txBody>
+      </p:sp>
+      <p:pic>
+        <p:nvPicPr>
+          <p:cNvPr id="74" name="Google Shape;74;p14"/>
+          <p:cNvPicPr preferRelativeResize="0"/>
+          <p:nvPr/>
+        </p:nvPicPr>
+        <p:blipFill>
+          <a:blip r:embed="rId3">
+            <a:alphaModFix/>
+          </a:blip>
+          <a:stretch>
+            <a:fillRect/>
+          </a:stretch>
+        </p:blipFill>
+        <p:spPr>
+          <a:xfrm>
+            <a:off x="8515651" y="4504976"/>
+            <a:ext cx="554101" cy="554101"/>
+          </a:xfrm>
+          <a:prstGeom prst="rect">
+            <a:avLst/>
+          </a:prstGeom>
+          <a:noFill/>
+          <a:ln>
+            <a:noFill/>
+          </a:ln>
+        </p:spPr>
+      </p:pic>
+    </p:spTree>
+    <p:extLst>
+      <p:ext uri="{BB962C8B-B14F-4D97-AF65-F5344CB8AC3E}">
+        <p14:creationId xmlns:p14="http://schemas.microsoft.com/office/powerpoint/2010/main" val="1278009974"/>
+      </p:ext>
+    </p:extLst>
+  </p:cSld>
+  <p:clrMapOvr>
+    <a:masterClrMapping/>
+  </p:clrMapOvr>
+</p:sld>
+</file>
+
+<file path=ppt/slides/slide21.xml><?xml version="1.0" encoding="utf-8"?>
+<p:sld xmlns:a="http://schemas.openxmlformats.org/drawingml/2006/main" xmlns:r="http://schemas.openxmlformats.org/officeDocument/2006/relationships" xmlns:p="http://schemas.openxmlformats.org/presentationml/2006/main">
+  <p:cSld>
+    <p:spTree>
+      <p:nvGrpSpPr>
+        <p:cNvPr id="1" name="Shape 71"/>
+        <p:cNvGrpSpPr/>
+        <p:nvPr/>
+      </p:nvGrpSpPr>
+      <p:grpSpPr>
+        <a:xfrm>
+          <a:off x="0" y="0"/>
+          <a:ext cx="0" cy="0"/>
+          <a:chOff x="0" y="0"/>
+          <a:chExt cx="0" cy="0"/>
+        </a:xfrm>
+      </p:grpSpPr>
+      <p:sp>
+        <p:nvSpPr>
+          <p:cNvPr id="72" name="Google Shape;72;p14"/>
+          <p:cNvSpPr/>
+          <p:nvPr/>
+        </p:nvSpPr>
+        <p:spPr>
+          <a:xfrm>
+            <a:off x="0" y="0"/>
+            <a:ext cx="9144000" cy="657000"/>
+          </a:xfrm>
+          <a:prstGeom prst="rect">
+            <a:avLst/>
+          </a:prstGeom>
+          <a:solidFill>
+            <a:schemeClr val="accent5">
+              <a:lumMod val="75000"/>
+            </a:schemeClr>
+          </a:solidFill>
+          <a:ln w="9525" cap="flat" cmpd="sng">
+            <a:solidFill>
+              <a:schemeClr val="dk2"/>
+            </a:solidFill>
+            <a:prstDash val="solid"/>
+            <a:round/>
+            <a:headEnd type="none" w="sm" len="sm"/>
+            <a:tailEnd type="none" w="sm" len="sm"/>
+          </a:ln>
+        </p:spPr>
+        <p:txBody>
+          <a:bodyPr spcFirstLastPara="1" wrap="square" lIns="91425" tIns="91425" rIns="91425" bIns="91425" anchor="ctr" anchorCtr="0">
+            <a:noAutofit/>
+          </a:bodyPr>
+          <a:lstStyle/>
+          <a:p>
+            <a:pPr marL="0" lvl="0" indent="0" algn="l" rtl="0">
+              <a:spcBef>
+                <a:spcPts val="0"/>
+              </a:spcBef>
+              <a:spcAft>
+                <a:spcPts val="0"/>
+              </a:spcAft>
+              <a:buNone/>
+            </a:pPr>
+            <a:endParaRPr>
+              <a:solidFill>
+                <a:schemeClr val="dk1"/>
+              </a:solidFill>
+              <a:highlight>
+                <a:schemeClr val="dk1"/>
+              </a:highlight>
+            </a:endParaRPr>
+          </a:p>
+        </p:txBody>
+      </p:sp>
+      <p:sp>
+        <p:nvSpPr>
+          <p:cNvPr id="73" name="Google Shape;73;p14"/>
+          <p:cNvSpPr txBox="1"/>
+          <p:nvPr/>
+        </p:nvSpPr>
+        <p:spPr>
+          <a:xfrm>
+            <a:off x="249249" y="54900"/>
+            <a:ext cx="8715137" cy="553968"/>
+          </a:xfrm>
+          <a:prstGeom prst="rect">
+            <a:avLst/>
+          </a:prstGeom>
+          <a:noFill/>
+          <a:ln>
+            <a:noFill/>
+          </a:ln>
+        </p:spPr>
+        <p:txBody>
+          <a:bodyPr spcFirstLastPara="1" wrap="square" lIns="91425" tIns="91425" rIns="91425" bIns="91425" anchor="t" anchorCtr="0">
+            <a:spAutoFit/>
+          </a:bodyPr>
+          <a:lstStyle/>
+          <a:p>
+            <a:pPr marL="0" lvl="0" indent="0" algn="l" rtl="0">
+              <a:spcBef>
+                <a:spcPts val="0"/>
+              </a:spcBef>
+              <a:spcAft>
+                <a:spcPts val="0"/>
+              </a:spcAft>
+              <a:buNone/>
+            </a:pPr>
+            <a:r>
+              <a:rPr lang="it" sz="2400" b="1" dirty="0">
+                <a:solidFill>
+                  <a:schemeClr val="lt1"/>
+                </a:solidFill>
+                <a:latin typeface="Verdana" panose="020B0604030504040204" pitchFamily="34" charset="0"/>
+                <a:ea typeface="Verdana" panose="020B0604030504040204" pitchFamily="34" charset="0"/>
+                <a:cs typeface="Merriweather"/>
+                <a:sym typeface="Merriweather"/>
+              </a:rPr>
+              <a:t>MODELLI</a:t>
+            </a:r>
+          </a:p>
+        </p:txBody>
+      </p:sp>
+      <p:sp>
+        <p:nvSpPr>
+          <p:cNvPr id="76" name="Google Shape;76;p14"/>
+          <p:cNvSpPr txBox="1"/>
+          <p:nvPr/>
+        </p:nvSpPr>
+        <p:spPr>
+          <a:xfrm>
+            <a:off x="249151" y="1360659"/>
+            <a:ext cx="8266500" cy="748893"/>
+          </a:xfrm>
+          <a:prstGeom prst="rect">
+            <a:avLst/>
+          </a:prstGeom>
+          <a:noFill/>
+          <a:ln>
+            <a:noFill/>
+          </a:ln>
+        </p:spPr>
+        <p:txBody>
+          <a:bodyPr spcFirstLastPara="1" wrap="square" lIns="91425" tIns="91425" rIns="91425" bIns="91425" anchor="t" anchorCtr="0">
+            <a:spAutoFit/>
+          </a:bodyPr>
+          <a:lstStyle/>
+          <a:p>
+            <a:pPr marL="146050" lvl="0" algn="just" rtl="0">
+              <a:lnSpc>
+                <a:spcPts val="2200"/>
+              </a:lnSpc>
+              <a:spcBef>
+                <a:spcPts val="0"/>
+              </a:spcBef>
+              <a:spcAft>
+                <a:spcPts val="0"/>
+              </a:spcAft>
+              <a:buClr>
+                <a:schemeClr val="dk1"/>
+              </a:buClr>
+              <a:buSzPts val="1300"/>
+            </a:pPr>
+            <a:r>
+              <a:rPr lang="it-IT" sz="2000" dirty="0">
+                <a:solidFill>
+                  <a:srgbClr val="050607"/>
+                </a:solidFill>
+                <a:highlight>
+                  <a:srgbClr val="FFFFFF"/>
+                </a:highlight>
+                <a:latin typeface="Verdana" panose="020B0604030504040204" pitchFamily="34" charset="0"/>
+                <a:ea typeface="Verdana" panose="020B0604030504040204" pitchFamily="34" charset="0"/>
+                <a:cs typeface="Merriweather"/>
+                <a:sym typeface="Merriweather"/>
+              </a:rPr>
+              <a:t>Sono stati ottenuti buoni risultati da tutte e tre le versioni sul test set, con i risultati migliori mostrati dalla seconda.</a:t>
+            </a:r>
+          </a:p>
+        </p:txBody>
+      </p:sp>
+      <p:sp>
+        <p:nvSpPr>
+          <p:cNvPr id="2" name="Google Shape;93;p16">
+            <a:extLst>
+              <a:ext uri="{FF2B5EF4-FFF2-40B4-BE49-F238E27FC236}">
+                <a16:creationId xmlns:a16="http://schemas.microsoft.com/office/drawing/2014/main" id="{D5A0C16B-A1BE-1287-CEA6-C70068AD519B}"/>
+              </a:ext>
+            </a:extLst>
+          </p:cNvPr>
+          <p:cNvSpPr txBox="1"/>
+          <p:nvPr/>
+        </p:nvSpPr>
+        <p:spPr>
+          <a:xfrm>
+            <a:off x="774000" y="719436"/>
+            <a:ext cx="7596000" cy="1477297"/>
+          </a:xfrm>
+          <a:prstGeom prst="rect">
+            <a:avLst/>
+          </a:prstGeom>
+          <a:noFill/>
+          <a:ln>
+            <a:noFill/>
+          </a:ln>
+        </p:spPr>
+        <p:txBody>
+          <a:bodyPr spcFirstLastPara="1" wrap="square" lIns="91425" tIns="91425" rIns="91425" bIns="91425" anchor="t" anchorCtr="0">
+            <a:spAutoFit/>
+          </a:bodyPr>
+          <a:lstStyle/>
+          <a:p>
+            <a:pPr algn="ctr"/>
+            <a:r>
+              <a:rPr lang="it-IT" sz="2800" b="1" dirty="0" err="1">
+                <a:solidFill>
+                  <a:srgbClr val="050607"/>
+                </a:solidFill>
+                <a:highlight>
+                  <a:srgbClr val="FFFFFF"/>
+                </a:highlight>
+                <a:latin typeface="+mn-lt"/>
+                <a:ea typeface="Verdana" panose="020B0604030504040204" pitchFamily="34" charset="0"/>
+                <a:cs typeface="Times New Roman" panose="02020603050405020304" pitchFamily="18" charset="0"/>
+                <a:sym typeface="Merriweather"/>
+              </a:rPr>
+              <a:t>Autoencoder</a:t>
+            </a:r>
+            <a:r>
+              <a:rPr lang="it-IT" sz="2800" b="1" dirty="0">
+                <a:solidFill>
+                  <a:srgbClr val="050607"/>
+                </a:solidFill>
+                <a:highlight>
+                  <a:srgbClr val="FFFFFF"/>
+                </a:highlight>
+                <a:latin typeface="+mn-lt"/>
+                <a:ea typeface="Verdana" panose="020B0604030504040204" pitchFamily="34" charset="0"/>
+                <a:cs typeface="Times New Roman" panose="02020603050405020304" pitchFamily="18" charset="0"/>
+                <a:sym typeface="Merriweather"/>
+              </a:rPr>
+              <a:t>: test</a:t>
+            </a:r>
+          </a:p>
+          <a:p>
+            <a:pPr marL="0" lvl="0" indent="0" algn="ctr" rtl="0">
+              <a:spcBef>
+                <a:spcPts val="0"/>
+              </a:spcBef>
+              <a:spcAft>
+                <a:spcPts val="0"/>
+              </a:spcAft>
+              <a:buNone/>
+            </a:pPr>
+            <a:endParaRPr sz="2800" b="1" dirty="0">
+              <a:solidFill>
+                <a:srgbClr val="050607"/>
+              </a:solidFill>
+              <a:latin typeface="+mn-lt"/>
+              <a:ea typeface="Merriweather"/>
+              <a:cs typeface="Merriweather"/>
+              <a:sym typeface="Merriweather"/>
+            </a:endParaRPr>
+          </a:p>
+          <a:p>
+            <a:pPr marL="0" lvl="0" indent="0" algn="l" rtl="0">
+              <a:spcBef>
+                <a:spcPts val="0"/>
+              </a:spcBef>
+              <a:spcAft>
+                <a:spcPts val="0"/>
+              </a:spcAft>
+              <a:buNone/>
+            </a:pPr>
+            <a:endParaRPr dirty="0">
+              <a:solidFill>
+                <a:schemeClr val="dk1"/>
+              </a:solidFill>
+              <a:latin typeface="Roboto"/>
+              <a:ea typeface="Roboto"/>
+              <a:cs typeface="Roboto"/>
+              <a:sym typeface="Roboto"/>
+            </a:endParaRPr>
+          </a:p>
+          <a:p>
+            <a:pPr marL="457200" lvl="0" indent="0" algn="l" rtl="0">
+              <a:spcBef>
+                <a:spcPts val="0"/>
+              </a:spcBef>
+              <a:spcAft>
+                <a:spcPts val="0"/>
+              </a:spcAft>
+              <a:buNone/>
+            </a:pPr>
+            <a:endParaRPr dirty="0">
+              <a:solidFill>
+                <a:schemeClr val="dk1"/>
+              </a:solidFill>
+              <a:latin typeface="Roboto"/>
+              <a:ea typeface="Roboto"/>
+              <a:cs typeface="Roboto"/>
+              <a:sym typeface="Roboto"/>
+            </a:endParaRPr>
+          </a:p>
+        </p:txBody>
+      </p:sp>
+      <p:pic>
+        <p:nvPicPr>
+          <p:cNvPr id="74" name="Google Shape;74;p14"/>
+          <p:cNvPicPr preferRelativeResize="0"/>
+          <p:nvPr/>
+        </p:nvPicPr>
+        <p:blipFill>
+          <a:blip r:embed="rId3">
+            <a:alphaModFix/>
+          </a:blip>
+          <a:stretch>
+            <a:fillRect/>
+          </a:stretch>
+        </p:blipFill>
+        <p:spPr>
+          <a:xfrm>
+            <a:off x="8515651" y="4504976"/>
+            <a:ext cx="554101" cy="554101"/>
+          </a:xfrm>
+          <a:prstGeom prst="rect">
+            <a:avLst/>
+          </a:prstGeom>
+          <a:noFill/>
+          <a:ln>
+            <a:noFill/>
+          </a:ln>
+        </p:spPr>
+      </p:pic>
+      <p:pic>
+        <p:nvPicPr>
+          <p:cNvPr id="4" name="Immagine 3">
+            <a:extLst>
+              <a:ext uri="{FF2B5EF4-FFF2-40B4-BE49-F238E27FC236}">
+                <a16:creationId xmlns:a16="http://schemas.microsoft.com/office/drawing/2014/main" id="{8867A94A-ED86-295B-5F36-5A09E6413990}"/>
+              </a:ext>
+            </a:extLst>
+          </p:cNvPr>
+          <p:cNvPicPr>
+            <a:picLocks noChangeAspect="1"/>
+          </p:cNvPicPr>
+          <p:nvPr/>
+        </p:nvPicPr>
+        <p:blipFill>
+          <a:blip r:embed="rId4"/>
+          <a:stretch>
+            <a:fillRect/>
+          </a:stretch>
+        </p:blipFill>
+        <p:spPr>
+          <a:xfrm>
+            <a:off x="556333" y="2394846"/>
+            <a:ext cx="3324470" cy="2519598"/>
+          </a:xfrm>
+          <a:prstGeom prst="rect">
+            <a:avLst/>
+          </a:prstGeom>
+        </p:spPr>
+      </p:pic>
+      <p:pic>
+        <p:nvPicPr>
+          <p:cNvPr id="8" name="Immagine 7">
+            <a:extLst>
+              <a:ext uri="{FF2B5EF4-FFF2-40B4-BE49-F238E27FC236}">
+                <a16:creationId xmlns:a16="http://schemas.microsoft.com/office/drawing/2014/main" id="{516EBD36-E331-F7AB-E7D7-918DCF566A5E}"/>
+              </a:ext>
+            </a:extLst>
+          </p:cNvPr>
+          <p:cNvPicPr>
+            <a:picLocks noChangeAspect="1"/>
+          </p:cNvPicPr>
+          <p:nvPr/>
+        </p:nvPicPr>
+        <p:blipFill>
+          <a:blip r:embed="rId5"/>
+          <a:stretch>
+            <a:fillRect/>
+          </a:stretch>
+        </p:blipFill>
+        <p:spPr>
+          <a:xfrm>
+            <a:off x="4795498" y="2394845"/>
+            <a:ext cx="3324471" cy="2519599"/>
+          </a:xfrm>
+          <a:prstGeom prst="rect">
+            <a:avLst/>
+          </a:prstGeom>
+        </p:spPr>
+      </p:pic>
+      <p:sp>
+        <p:nvSpPr>
+          <p:cNvPr id="9" name="CasellaDiTesto 8">
+            <a:extLst>
+              <a:ext uri="{FF2B5EF4-FFF2-40B4-BE49-F238E27FC236}">
+                <a16:creationId xmlns:a16="http://schemas.microsoft.com/office/drawing/2014/main" id="{4FFE64ED-3C8B-DA8C-E3C4-7247618B4DCB}"/>
+              </a:ext>
+            </a:extLst>
+          </p:cNvPr>
+          <p:cNvSpPr txBox="1"/>
+          <p:nvPr/>
+        </p:nvSpPr>
+        <p:spPr>
+          <a:xfrm>
+            <a:off x="1578769" y="2174250"/>
+            <a:ext cx="1291963" cy="307777"/>
+          </a:xfrm>
+          <a:prstGeom prst="rect">
+            <a:avLst/>
+          </a:prstGeom>
+          <a:noFill/>
+        </p:spPr>
+        <p:txBody>
+          <a:bodyPr wrap="square" rtlCol="0">
+            <a:spAutoFit/>
+          </a:bodyPr>
+          <a:lstStyle/>
+          <a:p>
+            <a:r>
+              <a:rPr lang="it-IT" dirty="0">
+                <a:latin typeface="Arial" panose="020B0604020202020204" pitchFamily="34" charset="0"/>
+                <a:cs typeface="Arial" panose="020B0604020202020204" pitchFamily="34" charset="0"/>
+              </a:rPr>
+              <a:t>99-percentile</a:t>
+            </a:r>
+          </a:p>
+        </p:txBody>
+      </p:sp>
+      <p:sp>
+        <p:nvSpPr>
+          <p:cNvPr id="10" name="CasellaDiTesto 9">
+            <a:extLst>
+              <a:ext uri="{FF2B5EF4-FFF2-40B4-BE49-F238E27FC236}">
+                <a16:creationId xmlns:a16="http://schemas.microsoft.com/office/drawing/2014/main" id="{B2D08096-B6D1-6340-5DEB-9E2633E40A40}"/>
+              </a:ext>
+            </a:extLst>
+          </p:cNvPr>
+          <p:cNvSpPr txBox="1"/>
+          <p:nvPr/>
+        </p:nvSpPr>
+        <p:spPr>
+          <a:xfrm>
+            <a:off x="5805569" y="2174249"/>
+            <a:ext cx="1291963" cy="307777"/>
+          </a:xfrm>
+          <a:prstGeom prst="rect">
+            <a:avLst/>
+          </a:prstGeom>
+          <a:noFill/>
+        </p:spPr>
+        <p:txBody>
+          <a:bodyPr wrap="square" rtlCol="0">
+            <a:spAutoFit/>
+          </a:bodyPr>
+          <a:lstStyle/>
+          <a:p>
+            <a:r>
+              <a:rPr lang="it-IT" dirty="0">
+                <a:latin typeface="Arial" panose="020B0604020202020204" pitchFamily="34" charset="0"/>
+                <a:cs typeface="Arial" panose="020B0604020202020204" pitchFamily="34" charset="0"/>
+              </a:rPr>
+              <a:t>95-percentile</a:t>
+            </a:r>
+          </a:p>
+        </p:txBody>
+      </p:sp>
+    </p:spTree>
+    <p:extLst>
+      <p:ext uri="{BB962C8B-B14F-4D97-AF65-F5344CB8AC3E}">
+        <p14:creationId xmlns:p14="http://schemas.microsoft.com/office/powerpoint/2010/main" val="2724054158"/>
+      </p:ext>
+    </p:extLst>
+  </p:cSld>
+  <p:clrMapOvr>
+    <a:masterClrMapping/>
+  </p:clrMapOvr>
+</p:sld>
+</file>
+
+<file path=ppt/slides/slide22.xml><?xml version="1.0" encoding="utf-8"?>
+<p:sld xmlns:a="http://schemas.openxmlformats.org/drawingml/2006/main" xmlns:r="http://schemas.openxmlformats.org/officeDocument/2006/relationships" xmlns:p="http://schemas.openxmlformats.org/presentationml/2006/main">
+  <p:cSld>
+    <p:spTree>
+      <p:nvGrpSpPr>
+        <p:cNvPr id="1" name="Shape 71"/>
+        <p:cNvGrpSpPr/>
+        <p:nvPr/>
+      </p:nvGrpSpPr>
+      <p:grpSpPr>
+        <a:xfrm>
+          <a:off x="0" y="0"/>
+          <a:ext cx="0" cy="0"/>
+          <a:chOff x="0" y="0"/>
+          <a:chExt cx="0" cy="0"/>
+        </a:xfrm>
+      </p:grpSpPr>
+      <p:sp>
+        <p:nvSpPr>
+          <p:cNvPr id="72" name="Google Shape;72;p14"/>
+          <p:cNvSpPr/>
+          <p:nvPr/>
+        </p:nvSpPr>
+        <p:spPr>
+          <a:xfrm>
+            <a:off x="0" y="0"/>
+            <a:ext cx="9144000" cy="657000"/>
+          </a:xfrm>
+          <a:prstGeom prst="rect">
+            <a:avLst/>
+          </a:prstGeom>
+          <a:solidFill>
+            <a:schemeClr val="accent5">
+              <a:lumMod val="75000"/>
+            </a:schemeClr>
+          </a:solidFill>
+          <a:ln w="9525" cap="flat" cmpd="sng">
+            <a:solidFill>
+              <a:schemeClr val="dk2"/>
+            </a:solidFill>
+            <a:prstDash val="solid"/>
+            <a:round/>
+            <a:headEnd type="none" w="sm" len="sm"/>
+            <a:tailEnd type="none" w="sm" len="sm"/>
+          </a:ln>
+        </p:spPr>
+        <p:txBody>
+          <a:bodyPr spcFirstLastPara="1" wrap="square" lIns="91425" tIns="91425" rIns="91425" bIns="91425" anchor="ctr" anchorCtr="0">
+            <a:noAutofit/>
+          </a:bodyPr>
+          <a:lstStyle/>
+          <a:p>
+            <a:pPr marL="0" lvl="0" indent="0" algn="l" rtl="0">
+              <a:spcBef>
+                <a:spcPts val="0"/>
+              </a:spcBef>
+              <a:spcAft>
+                <a:spcPts val="0"/>
+              </a:spcAft>
+              <a:buNone/>
+            </a:pPr>
+            <a:endParaRPr>
+              <a:solidFill>
+                <a:schemeClr val="dk1"/>
+              </a:solidFill>
+              <a:highlight>
+                <a:schemeClr val="dk1"/>
+              </a:highlight>
+            </a:endParaRPr>
+          </a:p>
+        </p:txBody>
+      </p:sp>
+      <p:sp>
+        <p:nvSpPr>
+          <p:cNvPr id="73" name="Google Shape;73;p14"/>
+          <p:cNvSpPr txBox="1"/>
+          <p:nvPr/>
+        </p:nvSpPr>
+        <p:spPr>
+          <a:xfrm>
+            <a:off x="249249" y="54900"/>
+            <a:ext cx="8715137" cy="553968"/>
+          </a:xfrm>
+          <a:prstGeom prst="rect">
+            <a:avLst/>
+          </a:prstGeom>
+          <a:noFill/>
+          <a:ln>
+            <a:noFill/>
+          </a:ln>
+        </p:spPr>
+        <p:txBody>
+          <a:bodyPr spcFirstLastPara="1" wrap="square" lIns="91425" tIns="91425" rIns="91425" bIns="91425" anchor="t" anchorCtr="0">
+            <a:spAutoFit/>
+          </a:bodyPr>
+          <a:lstStyle/>
+          <a:p>
+            <a:pPr marL="0" lvl="0" indent="0" algn="l" rtl="0">
+              <a:spcBef>
+                <a:spcPts val="0"/>
+              </a:spcBef>
+              <a:spcAft>
+                <a:spcPts val="0"/>
+              </a:spcAft>
+              <a:buNone/>
+            </a:pPr>
+            <a:r>
+              <a:rPr lang="it" sz="2400" b="1" dirty="0">
+                <a:solidFill>
+                  <a:schemeClr val="lt1"/>
+                </a:solidFill>
+                <a:latin typeface="Verdana" panose="020B0604030504040204" pitchFamily="34" charset="0"/>
+                <a:ea typeface="Verdana" panose="020B0604030504040204" pitchFamily="34" charset="0"/>
+                <a:cs typeface="Merriweather"/>
+                <a:sym typeface="Merriweather"/>
+              </a:rPr>
+              <a:t>MODELLI</a:t>
+            </a:r>
+          </a:p>
+        </p:txBody>
+      </p:sp>
+      <p:sp>
+        <p:nvSpPr>
+          <p:cNvPr id="2" name="Google Shape;93;p16">
+            <a:extLst>
+              <a:ext uri="{FF2B5EF4-FFF2-40B4-BE49-F238E27FC236}">
+                <a16:creationId xmlns:a16="http://schemas.microsoft.com/office/drawing/2014/main" id="{D5A0C16B-A1BE-1287-CEA6-C70068AD519B}"/>
+              </a:ext>
+            </a:extLst>
+          </p:cNvPr>
+          <p:cNvSpPr txBox="1"/>
+          <p:nvPr/>
+        </p:nvSpPr>
+        <p:spPr>
+          <a:xfrm>
+            <a:off x="774000" y="719436"/>
+            <a:ext cx="7596000" cy="1477297"/>
+          </a:xfrm>
+          <a:prstGeom prst="rect">
+            <a:avLst/>
+          </a:prstGeom>
+          <a:noFill/>
+          <a:ln>
+            <a:noFill/>
+          </a:ln>
+        </p:spPr>
+        <p:txBody>
+          <a:bodyPr spcFirstLastPara="1" wrap="square" lIns="91425" tIns="91425" rIns="91425" bIns="91425" anchor="t" anchorCtr="0">
+            <a:spAutoFit/>
+          </a:bodyPr>
+          <a:lstStyle/>
+          <a:p>
+            <a:pPr algn="ctr"/>
+            <a:r>
+              <a:rPr lang="it-IT" sz="2800" b="1" dirty="0" err="1">
+                <a:solidFill>
+                  <a:srgbClr val="050607"/>
+                </a:solidFill>
+                <a:highlight>
+                  <a:srgbClr val="FFFFFF"/>
+                </a:highlight>
+                <a:latin typeface="+mn-lt"/>
+                <a:ea typeface="Verdana" panose="020B0604030504040204" pitchFamily="34" charset="0"/>
+                <a:cs typeface="Times New Roman" panose="02020603050405020304" pitchFamily="18" charset="0"/>
+                <a:sym typeface="Merriweather"/>
+              </a:rPr>
+              <a:t>Autoencoder</a:t>
+            </a:r>
+            <a:r>
+              <a:rPr lang="it-IT" sz="2800" b="1" dirty="0">
+                <a:solidFill>
+                  <a:srgbClr val="050607"/>
+                </a:solidFill>
+                <a:highlight>
+                  <a:srgbClr val="FFFFFF"/>
+                </a:highlight>
+                <a:latin typeface="+mn-lt"/>
+                <a:ea typeface="Verdana" panose="020B0604030504040204" pitchFamily="34" charset="0"/>
+                <a:cs typeface="Times New Roman" panose="02020603050405020304" pitchFamily="18" charset="0"/>
+                <a:sym typeface="Merriweather"/>
+              </a:rPr>
+              <a:t>: test</a:t>
+            </a:r>
+          </a:p>
+          <a:p>
+            <a:pPr marL="0" lvl="0" indent="0" algn="ctr" rtl="0">
+              <a:spcBef>
+                <a:spcPts val="0"/>
+              </a:spcBef>
+              <a:spcAft>
+                <a:spcPts val="0"/>
+              </a:spcAft>
+              <a:buNone/>
+            </a:pPr>
+            <a:endParaRPr sz="2800" b="1" dirty="0">
+              <a:solidFill>
+                <a:srgbClr val="050607"/>
+              </a:solidFill>
+              <a:latin typeface="+mn-lt"/>
+              <a:ea typeface="Merriweather"/>
+              <a:cs typeface="Merriweather"/>
+              <a:sym typeface="Merriweather"/>
+            </a:endParaRPr>
+          </a:p>
+          <a:p>
+            <a:pPr marL="0" lvl="0" indent="0" algn="l" rtl="0">
+              <a:spcBef>
+                <a:spcPts val="0"/>
+              </a:spcBef>
+              <a:spcAft>
+                <a:spcPts val="0"/>
+              </a:spcAft>
+              <a:buNone/>
+            </a:pPr>
+            <a:endParaRPr dirty="0">
+              <a:solidFill>
+                <a:schemeClr val="dk1"/>
+              </a:solidFill>
+              <a:latin typeface="Roboto"/>
+              <a:ea typeface="Roboto"/>
+              <a:cs typeface="Roboto"/>
+              <a:sym typeface="Roboto"/>
+            </a:endParaRPr>
+          </a:p>
+          <a:p>
+            <a:pPr marL="457200" lvl="0" indent="0" algn="l" rtl="0">
+              <a:spcBef>
+                <a:spcPts val="0"/>
+              </a:spcBef>
+              <a:spcAft>
+                <a:spcPts val="0"/>
+              </a:spcAft>
+              <a:buNone/>
+            </a:pPr>
+            <a:endParaRPr dirty="0">
+              <a:solidFill>
+                <a:schemeClr val="dk1"/>
+              </a:solidFill>
+              <a:latin typeface="Roboto"/>
+              <a:ea typeface="Roboto"/>
+              <a:cs typeface="Roboto"/>
+              <a:sym typeface="Roboto"/>
+            </a:endParaRPr>
+          </a:p>
+        </p:txBody>
+      </p:sp>
+      <p:pic>
+        <p:nvPicPr>
+          <p:cNvPr id="74" name="Google Shape;74;p14"/>
+          <p:cNvPicPr preferRelativeResize="0"/>
+          <p:nvPr/>
+        </p:nvPicPr>
+        <p:blipFill>
+          <a:blip r:embed="rId3">
+            <a:alphaModFix/>
+          </a:blip>
+          <a:stretch>
+            <a:fillRect/>
+          </a:stretch>
+        </p:blipFill>
+        <p:spPr>
+          <a:xfrm>
+            <a:off x="8515651" y="4504976"/>
+            <a:ext cx="554101" cy="554101"/>
+          </a:xfrm>
+          <a:prstGeom prst="rect">
+            <a:avLst/>
+          </a:prstGeom>
+          <a:noFill/>
+          <a:ln>
+            <a:noFill/>
+          </a:ln>
+        </p:spPr>
+      </p:pic>
+      <p:pic>
+        <p:nvPicPr>
+          <p:cNvPr id="5" name="Immagine 4">
+            <a:extLst>
+              <a:ext uri="{FF2B5EF4-FFF2-40B4-BE49-F238E27FC236}">
+                <a16:creationId xmlns:a16="http://schemas.microsoft.com/office/drawing/2014/main" id="{4987DAB1-0833-4C0B-BF44-C0B67DA341D5}"/>
+              </a:ext>
+            </a:extLst>
+          </p:cNvPr>
+          <p:cNvPicPr>
+            <a:picLocks noChangeAspect="1"/>
+          </p:cNvPicPr>
+          <p:nvPr/>
+        </p:nvPicPr>
+        <p:blipFill>
+          <a:blip r:embed="rId4"/>
+          <a:stretch>
+            <a:fillRect/>
+          </a:stretch>
+        </p:blipFill>
+        <p:spPr>
+          <a:xfrm>
+            <a:off x="74248" y="1458084"/>
+            <a:ext cx="4464482" cy="3526631"/>
+          </a:xfrm>
+          <a:prstGeom prst="rect">
+            <a:avLst/>
+          </a:prstGeom>
+        </p:spPr>
+      </p:pic>
+      <p:pic>
+        <p:nvPicPr>
+          <p:cNvPr id="7" name="Immagine 6">
+            <a:extLst>
+              <a:ext uri="{FF2B5EF4-FFF2-40B4-BE49-F238E27FC236}">
+                <a16:creationId xmlns:a16="http://schemas.microsoft.com/office/drawing/2014/main" id="{8FF53680-8F4F-4564-E240-6B184D8DF36B}"/>
+              </a:ext>
+            </a:extLst>
+          </p:cNvPr>
+          <p:cNvPicPr>
+            <a:picLocks noChangeAspect="1"/>
+          </p:cNvPicPr>
+          <p:nvPr/>
+        </p:nvPicPr>
+        <p:blipFill>
+          <a:blip r:embed="rId5"/>
+          <a:stretch>
+            <a:fillRect/>
+          </a:stretch>
+        </p:blipFill>
+        <p:spPr>
+          <a:xfrm>
+            <a:off x="4538730" y="2127677"/>
+            <a:ext cx="4667250" cy="1009650"/>
+          </a:xfrm>
+          <a:prstGeom prst="rect">
+            <a:avLst/>
+          </a:prstGeom>
+        </p:spPr>
+      </p:pic>
+      <p:pic>
+        <p:nvPicPr>
+          <p:cNvPr id="12" name="Immagine 11">
+            <a:extLst>
+              <a:ext uri="{FF2B5EF4-FFF2-40B4-BE49-F238E27FC236}">
+                <a16:creationId xmlns:a16="http://schemas.microsoft.com/office/drawing/2014/main" id="{176E30B6-6F83-E36F-0520-CCE12B52EBED}"/>
+              </a:ext>
+            </a:extLst>
+          </p:cNvPr>
+          <p:cNvPicPr>
+            <a:picLocks noChangeAspect="1"/>
+          </p:cNvPicPr>
+          <p:nvPr/>
+        </p:nvPicPr>
+        <p:blipFill>
+          <a:blip r:embed="rId6"/>
+          <a:stretch>
+            <a:fillRect/>
+          </a:stretch>
+        </p:blipFill>
+        <p:spPr>
+          <a:xfrm>
+            <a:off x="4572000" y="3430383"/>
+            <a:ext cx="4105275" cy="952500"/>
+          </a:xfrm>
+          <a:prstGeom prst="rect">
+            <a:avLst/>
+          </a:prstGeom>
+        </p:spPr>
+      </p:pic>
+    </p:spTree>
+    <p:extLst>
+      <p:ext uri="{BB962C8B-B14F-4D97-AF65-F5344CB8AC3E}">
+        <p14:creationId xmlns:p14="http://schemas.microsoft.com/office/powerpoint/2010/main" val="1243914054"/>
+      </p:ext>
+    </p:extLst>
+  </p:cSld>
+  <p:clrMapOvr>
+    <a:masterClrMapping/>
+  </p:clrMapOvr>
+</p:sld>
+</file>
+
+<file path=ppt/slides/slide23.xml><?xml version="1.0" encoding="utf-8"?>
+<p:sld xmlns:a="http://schemas.openxmlformats.org/drawingml/2006/main" xmlns:r="http://schemas.openxmlformats.org/officeDocument/2006/relationships" xmlns:p="http://schemas.openxmlformats.org/presentationml/2006/main">
+  <p:cSld>
+    <p:spTree>
+      <p:nvGrpSpPr>
+        <p:cNvPr id="1" name="Shape 71"/>
+        <p:cNvGrpSpPr/>
+        <p:nvPr/>
+      </p:nvGrpSpPr>
+      <p:grpSpPr>
+        <a:xfrm>
+          <a:off x="0" y="0"/>
+          <a:ext cx="0" cy="0"/>
+          <a:chOff x="0" y="0"/>
+          <a:chExt cx="0" cy="0"/>
+        </a:xfrm>
+      </p:grpSpPr>
+      <p:sp>
+        <p:nvSpPr>
+          <p:cNvPr id="72" name="Google Shape;72;p14"/>
+          <p:cNvSpPr/>
+          <p:nvPr/>
+        </p:nvSpPr>
+        <p:spPr>
+          <a:xfrm>
+            <a:off x="0" y="0"/>
+            <a:ext cx="9144000" cy="657000"/>
+          </a:xfrm>
+          <a:prstGeom prst="rect">
+            <a:avLst/>
+          </a:prstGeom>
+          <a:solidFill>
+            <a:schemeClr val="accent5">
+              <a:lumMod val="75000"/>
+            </a:schemeClr>
+          </a:solidFill>
+          <a:ln w="9525" cap="flat" cmpd="sng">
+            <a:solidFill>
+              <a:schemeClr val="dk2"/>
+            </a:solidFill>
+            <a:prstDash val="solid"/>
+            <a:round/>
+            <a:headEnd type="none" w="sm" len="sm"/>
+            <a:tailEnd type="none" w="sm" len="sm"/>
+          </a:ln>
+        </p:spPr>
+        <p:txBody>
+          <a:bodyPr spcFirstLastPara="1" wrap="square" lIns="91425" tIns="91425" rIns="91425" bIns="91425" anchor="ctr" anchorCtr="0">
+            <a:noAutofit/>
+          </a:bodyPr>
+          <a:lstStyle/>
+          <a:p>
+            <a:pPr marL="0" lvl="0" indent="0" algn="l" rtl="0">
+              <a:spcBef>
+                <a:spcPts val="0"/>
+              </a:spcBef>
+              <a:spcAft>
+                <a:spcPts val="0"/>
+              </a:spcAft>
+              <a:buNone/>
+            </a:pPr>
+            <a:endParaRPr>
+              <a:solidFill>
+                <a:schemeClr val="dk1"/>
+              </a:solidFill>
+              <a:highlight>
+                <a:schemeClr val="dk1"/>
+              </a:highlight>
+            </a:endParaRPr>
+          </a:p>
+        </p:txBody>
+      </p:sp>
+      <p:sp>
+        <p:nvSpPr>
+          <p:cNvPr id="73" name="Google Shape;73;p14"/>
+          <p:cNvSpPr txBox="1"/>
+          <p:nvPr/>
+        </p:nvSpPr>
+        <p:spPr>
+          <a:xfrm>
+            <a:off x="249249" y="54900"/>
+            <a:ext cx="8715137" cy="553968"/>
+          </a:xfrm>
+          <a:prstGeom prst="rect">
+            <a:avLst/>
+          </a:prstGeom>
+          <a:noFill/>
+          <a:ln>
+            <a:noFill/>
+          </a:ln>
+        </p:spPr>
+        <p:txBody>
+          <a:bodyPr spcFirstLastPara="1" wrap="square" lIns="91425" tIns="91425" rIns="91425" bIns="91425" anchor="t" anchorCtr="0">
+            <a:spAutoFit/>
+          </a:bodyPr>
+          <a:lstStyle/>
+          <a:p>
+            <a:pPr marL="0" lvl="0" indent="0" algn="l" rtl="0">
+              <a:spcBef>
+                <a:spcPts val="0"/>
+              </a:spcBef>
+              <a:spcAft>
+                <a:spcPts val="0"/>
+              </a:spcAft>
+              <a:buNone/>
+            </a:pPr>
+            <a:r>
+              <a:rPr lang="it" sz="2400" b="1" dirty="0">
+                <a:solidFill>
+                  <a:schemeClr val="lt1"/>
+                </a:solidFill>
+                <a:latin typeface="Verdana" panose="020B0604030504040204" pitchFamily="34" charset="0"/>
+                <a:ea typeface="Verdana" panose="020B0604030504040204" pitchFamily="34" charset="0"/>
+                <a:cs typeface="Merriweather"/>
+                <a:sym typeface="Merriweather"/>
+              </a:rPr>
+              <a:t>MODELLI</a:t>
+            </a:r>
+          </a:p>
+        </p:txBody>
+      </p:sp>
+      <p:sp>
+        <p:nvSpPr>
+          <p:cNvPr id="76" name="Google Shape;76;p14"/>
+          <p:cNvSpPr txBox="1"/>
+          <p:nvPr/>
+        </p:nvSpPr>
+        <p:spPr>
+          <a:xfrm>
+            <a:off x="249151" y="1360659"/>
+            <a:ext cx="8266500" cy="3570178"/>
+          </a:xfrm>
+          <a:prstGeom prst="rect">
+            <a:avLst/>
+          </a:prstGeom>
+          <a:noFill/>
+          <a:ln>
+            <a:noFill/>
+          </a:ln>
+        </p:spPr>
+        <p:txBody>
+          <a:bodyPr spcFirstLastPara="1" wrap="square" lIns="91425" tIns="91425" rIns="91425" bIns="91425" anchor="t" anchorCtr="0">
+            <a:spAutoFit/>
+          </a:bodyPr>
+          <a:lstStyle/>
+          <a:p>
+            <a:pPr marL="146050" lvl="0" algn="just" rtl="0">
+              <a:lnSpc>
+                <a:spcPts val="2200"/>
+              </a:lnSpc>
+              <a:spcBef>
+                <a:spcPts val="0"/>
+              </a:spcBef>
+              <a:spcAft>
+                <a:spcPts val="0"/>
+              </a:spcAft>
+              <a:buClr>
+                <a:schemeClr val="dk1"/>
+              </a:buClr>
+              <a:buSzPts val="1300"/>
+            </a:pPr>
+            <a:endParaRPr lang="it-IT" sz="2000" dirty="0">
+              <a:solidFill>
+                <a:srgbClr val="050607"/>
+              </a:solidFill>
+              <a:highlight>
+                <a:srgbClr val="FFFFFF"/>
+              </a:highlight>
+              <a:latin typeface="Verdana" panose="020B0604030504040204" pitchFamily="34" charset="0"/>
+              <a:ea typeface="Verdana" panose="020B0604030504040204" pitchFamily="34" charset="0"/>
+              <a:cs typeface="Merriweather"/>
+              <a:sym typeface="Merriweather"/>
+            </a:endParaRPr>
+          </a:p>
+          <a:p>
+            <a:pPr marL="488950" lvl="0" indent="-342900" algn="just" rtl="0">
+              <a:lnSpc>
+                <a:spcPts val="2200"/>
+              </a:lnSpc>
+              <a:spcBef>
+                <a:spcPts val="0"/>
+              </a:spcBef>
+              <a:spcAft>
+                <a:spcPts val="0"/>
+              </a:spcAft>
+              <a:buClr>
+                <a:schemeClr val="dk1"/>
+              </a:buClr>
+              <a:buSzPts val="1300"/>
+              <a:buFont typeface="Arial" panose="020B0604020202020204" pitchFamily="34" charset="0"/>
+              <a:buChar char="•"/>
+            </a:pPr>
+            <a:r>
+              <a:rPr lang="it-IT" sz="2000" dirty="0" err="1">
+                <a:solidFill>
+                  <a:srgbClr val="050607"/>
+                </a:solidFill>
+                <a:highlight>
+                  <a:srgbClr val="FFFFFF"/>
+                </a:highlight>
+                <a:latin typeface="Verdana" panose="020B0604030504040204" pitchFamily="34" charset="0"/>
+                <a:ea typeface="Verdana" panose="020B0604030504040204" pitchFamily="34" charset="0"/>
+                <a:cs typeface="Merriweather"/>
+                <a:sym typeface="Merriweather"/>
+              </a:rPr>
+              <a:t>Isolation</a:t>
+            </a:r>
+            <a:r>
+              <a:rPr lang="it-IT" sz="2000" dirty="0">
+                <a:solidFill>
+                  <a:srgbClr val="050607"/>
+                </a:solidFill>
+                <a:highlight>
+                  <a:srgbClr val="FFFFFF"/>
+                </a:highlight>
+                <a:latin typeface="Verdana" panose="020B0604030504040204" pitchFamily="34" charset="0"/>
+                <a:ea typeface="Verdana" panose="020B0604030504040204" pitchFamily="34" charset="0"/>
+                <a:cs typeface="Merriweather"/>
+                <a:sym typeface="Merriweather"/>
+              </a:rPr>
+              <a:t> </a:t>
+            </a:r>
+            <a:r>
+              <a:rPr lang="it-IT" sz="2000" dirty="0" err="1">
+                <a:solidFill>
+                  <a:srgbClr val="050607"/>
+                </a:solidFill>
+                <a:highlight>
+                  <a:srgbClr val="FFFFFF"/>
+                </a:highlight>
+                <a:latin typeface="Verdana" panose="020B0604030504040204" pitchFamily="34" charset="0"/>
+                <a:ea typeface="Verdana" panose="020B0604030504040204" pitchFamily="34" charset="0"/>
+                <a:cs typeface="Merriweather"/>
+                <a:sym typeface="Merriweather"/>
+              </a:rPr>
+              <a:t>Forest</a:t>
+            </a:r>
+            <a:r>
+              <a:rPr lang="it-IT" sz="2000" dirty="0">
+                <a:solidFill>
+                  <a:srgbClr val="050607"/>
+                </a:solidFill>
+                <a:highlight>
+                  <a:srgbClr val="FFFFFF"/>
+                </a:highlight>
+                <a:latin typeface="Verdana" panose="020B0604030504040204" pitchFamily="34" charset="0"/>
+                <a:ea typeface="Verdana" panose="020B0604030504040204" pitchFamily="34" charset="0"/>
+                <a:cs typeface="Merriweather"/>
+                <a:sym typeface="Merriweather"/>
+              </a:rPr>
+              <a:t> ed </a:t>
+            </a:r>
+            <a:r>
+              <a:rPr lang="it-IT" sz="2000" dirty="0" err="1">
+                <a:solidFill>
+                  <a:srgbClr val="050607"/>
+                </a:solidFill>
+                <a:highlight>
+                  <a:srgbClr val="FFFFFF"/>
+                </a:highlight>
+                <a:latin typeface="Verdana" panose="020B0604030504040204" pitchFamily="34" charset="0"/>
+                <a:ea typeface="Verdana" panose="020B0604030504040204" pitchFamily="34" charset="0"/>
+                <a:cs typeface="Merriweather"/>
+                <a:sym typeface="Merriweather"/>
+              </a:rPr>
+              <a:t>Elliptic</a:t>
+            </a:r>
+            <a:r>
+              <a:rPr lang="it-IT" sz="2000" dirty="0">
+                <a:solidFill>
+                  <a:srgbClr val="050607"/>
+                </a:solidFill>
+                <a:highlight>
+                  <a:srgbClr val="FFFFFF"/>
+                </a:highlight>
+                <a:latin typeface="Verdana" panose="020B0604030504040204" pitchFamily="34" charset="0"/>
+                <a:ea typeface="Verdana" panose="020B0604030504040204" pitchFamily="34" charset="0"/>
+                <a:cs typeface="Merriweather"/>
+                <a:sym typeface="Merriweather"/>
+              </a:rPr>
+              <a:t> </a:t>
+            </a:r>
+            <a:r>
+              <a:rPr lang="it-IT" sz="2000" dirty="0" err="1">
+                <a:solidFill>
+                  <a:srgbClr val="050607"/>
+                </a:solidFill>
+                <a:highlight>
+                  <a:srgbClr val="FFFFFF"/>
+                </a:highlight>
+                <a:latin typeface="Verdana" panose="020B0604030504040204" pitchFamily="34" charset="0"/>
+                <a:ea typeface="Verdana" panose="020B0604030504040204" pitchFamily="34" charset="0"/>
+                <a:cs typeface="Merriweather"/>
+                <a:sym typeface="Merriweather"/>
+              </a:rPr>
+              <a:t>envelope</a:t>
+            </a:r>
+            <a:r>
+              <a:rPr lang="it-IT" sz="2000" dirty="0">
+                <a:solidFill>
+                  <a:srgbClr val="050607"/>
+                </a:solidFill>
+                <a:highlight>
+                  <a:srgbClr val="FFFFFF"/>
+                </a:highlight>
+                <a:latin typeface="Verdana" panose="020B0604030504040204" pitchFamily="34" charset="0"/>
+                <a:ea typeface="Verdana" panose="020B0604030504040204" pitchFamily="34" charset="0"/>
+                <a:cs typeface="Merriweather"/>
+                <a:sym typeface="Merriweather"/>
+              </a:rPr>
+              <a:t> non sono risultati adatti al contesto.</a:t>
+            </a:r>
+          </a:p>
+          <a:p>
+            <a:pPr marL="488950" lvl="0" indent="-342900" algn="just" rtl="0">
+              <a:lnSpc>
+                <a:spcPts val="2200"/>
+              </a:lnSpc>
+              <a:spcBef>
+                <a:spcPts val="0"/>
+              </a:spcBef>
+              <a:spcAft>
+                <a:spcPts val="0"/>
+              </a:spcAft>
+              <a:buClr>
+                <a:schemeClr val="dk1"/>
+              </a:buClr>
+              <a:buSzPts val="1300"/>
+              <a:buFont typeface="Arial" panose="020B0604020202020204" pitchFamily="34" charset="0"/>
+              <a:buChar char="•"/>
+            </a:pPr>
+            <a:endParaRPr lang="it-IT" sz="2000" dirty="0">
+              <a:solidFill>
+                <a:srgbClr val="050607"/>
+              </a:solidFill>
+              <a:highlight>
+                <a:srgbClr val="FFFFFF"/>
+              </a:highlight>
+              <a:latin typeface="Verdana" panose="020B0604030504040204" pitchFamily="34" charset="0"/>
+              <a:ea typeface="Verdana" panose="020B0604030504040204" pitchFamily="34" charset="0"/>
+              <a:cs typeface="Merriweather"/>
+              <a:sym typeface="Merriweather"/>
+            </a:endParaRPr>
+          </a:p>
+          <a:p>
+            <a:pPr marL="488950" lvl="0" indent="-342900" algn="just" rtl="0">
+              <a:lnSpc>
+                <a:spcPts val="2200"/>
+              </a:lnSpc>
+              <a:spcBef>
+                <a:spcPts val="0"/>
+              </a:spcBef>
+              <a:spcAft>
+                <a:spcPts val="0"/>
+              </a:spcAft>
+              <a:buClr>
+                <a:schemeClr val="dk1"/>
+              </a:buClr>
+              <a:buSzPts val="1300"/>
+              <a:buFont typeface="Arial" panose="020B0604020202020204" pitchFamily="34" charset="0"/>
+              <a:buChar char="•"/>
+            </a:pPr>
+            <a:r>
+              <a:rPr lang="it-IT" sz="2000" dirty="0">
+                <a:solidFill>
+                  <a:srgbClr val="050607"/>
+                </a:solidFill>
+                <a:highlight>
+                  <a:srgbClr val="FFFFFF"/>
+                </a:highlight>
+                <a:latin typeface="Verdana" panose="020B0604030504040204" pitchFamily="34" charset="0"/>
+                <a:ea typeface="Verdana" panose="020B0604030504040204" pitchFamily="34" charset="0"/>
+                <a:cs typeface="Merriweather"/>
+                <a:sym typeface="Merriweather"/>
+              </a:rPr>
+              <a:t>LOF e </a:t>
+            </a:r>
+            <a:r>
+              <a:rPr lang="it-IT" sz="2000" dirty="0" err="1">
+                <a:solidFill>
+                  <a:srgbClr val="050607"/>
+                </a:solidFill>
+                <a:highlight>
+                  <a:srgbClr val="FFFFFF"/>
+                </a:highlight>
+                <a:latin typeface="Verdana" panose="020B0604030504040204" pitchFamily="34" charset="0"/>
+                <a:ea typeface="Verdana" panose="020B0604030504040204" pitchFamily="34" charset="0"/>
+                <a:cs typeface="Merriweather"/>
+                <a:sym typeface="Merriweather"/>
+              </a:rPr>
+              <a:t>Autoencoder</a:t>
+            </a:r>
+            <a:r>
+              <a:rPr lang="it-IT" sz="2000" dirty="0">
+                <a:solidFill>
+                  <a:srgbClr val="050607"/>
+                </a:solidFill>
+                <a:highlight>
+                  <a:srgbClr val="FFFFFF"/>
+                </a:highlight>
+                <a:latin typeface="Verdana" panose="020B0604030504040204" pitchFamily="34" charset="0"/>
+                <a:ea typeface="Verdana" panose="020B0604030504040204" pitchFamily="34" charset="0"/>
+                <a:cs typeface="Merriweather"/>
+                <a:sym typeface="Merriweather"/>
+              </a:rPr>
+              <a:t> hanno ottenuto buoni risultati in termini di rilevazione di traffico TOR.</a:t>
+            </a:r>
+          </a:p>
+          <a:p>
+            <a:pPr marL="488950" lvl="0" indent="-342900" algn="just" rtl="0">
+              <a:lnSpc>
+                <a:spcPts val="2200"/>
+              </a:lnSpc>
+              <a:spcBef>
+                <a:spcPts val="0"/>
+              </a:spcBef>
+              <a:spcAft>
+                <a:spcPts val="0"/>
+              </a:spcAft>
+              <a:buClr>
+                <a:schemeClr val="dk1"/>
+              </a:buClr>
+              <a:buSzPts val="1300"/>
+              <a:buFont typeface="Arial" panose="020B0604020202020204" pitchFamily="34" charset="0"/>
+              <a:buChar char="•"/>
+            </a:pPr>
+            <a:endParaRPr lang="it-IT" sz="2000" dirty="0">
+              <a:solidFill>
+                <a:srgbClr val="050607"/>
+              </a:solidFill>
+              <a:highlight>
+                <a:srgbClr val="FFFFFF"/>
+              </a:highlight>
+              <a:latin typeface="Verdana" panose="020B0604030504040204" pitchFamily="34" charset="0"/>
+              <a:ea typeface="Verdana" panose="020B0604030504040204" pitchFamily="34" charset="0"/>
+              <a:cs typeface="Merriweather"/>
+              <a:sym typeface="Merriweather"/>
+            </a:endParaRPr>
+          </a:p>
+          <a:p>
+            <a:pPr marL="488950" lvl="0" indent="-342900" algn="just" rtl="0">
+              <a:lnSpc>
+                <a:spcPts val="2200"/>
+              </a:lnSpc>
+              <a:spcBef>
+                <a:spcPts val="0"/>
+              </a:spcBef>
+              <a:spcAft>
+                <a:spcPts val="0"/>
+              </a:spcAft>
+              <a:buClr>
+                <a:schemeClr val="dk1"/>
+              </a:buClr>
+              <a:buSzPts val="1300"/>
+              <a:buFont typeface="Arial" panose="020B0604020202020204" pitchFamily="34" charset="0"/>
+              <a:buChar char="•"/>
+            </a:pPr>
+            <a:r>
+              <a:rPr lang="it-IT" sz="2000" dirty="0">
+                <a:solidFill>
+                  <a:srgbClr val="050607"/>
+                </a:solidFill>
+                <a:highlight>
+                  <a:srgbClr val="FFFFFF"/>
+                </a:highlight>
+                <a:latin typeface="Verdana" panose="020B0604030504040204" pitchFamily="34" charset="0"/>
+                <a:ea typeface="Verdana" panose="020B0604030504040204" pitchFamily="34" charset="0"/>
+                <a:cs typeface="Merriweather"/>
+                <a:sym typeface="Merriweather"/>
+              </a:rPr>
+              <a:t>La scelta del modello da usare dipende dal contesto applicativo e dalla tolleranza ai falsi positivi e falsi negativi.</a:t>
+            </a:r>
+          </a:p>
+          <a:p>
+            <a:pPr marL="603250" lvl="0" indent="-457200" algn="just" rtl="0">
+              <a:lnSpc>
+                <a:spcPts val="2200"/>
+              </a:lnSpc>
+              <a:spcBef>
+                <a:spcPts val="0"/>
+              </a:spcBef>
+              <a:spcAft>
+                <a:spcPts val="0"/>
+              </a:spcAft>
+              <a:buClr>
+                <a:schemeClr val="dk1"/>
+              </a:buClr>
+              <a:buSzPts val="1300"/>
+              <a:buFont typeface="+mj-lt"/>
+              <a:buAutoNum type="arabicPeriod"/>
+            </a:pPr>
+            <a:endParaRPr lang="it-IT" sz="2000" dirty="0">
+              <a:solidFill>
+                <a:srgbClr val="050607"/>
+              </a:solidFill>
+              <a:highlight>
+                <a:srgbClr val="FFFFFF"/>
+              </a:highlight>
+              <a:latin typeface="Verdana" panose="020B0604030504040204" pitchFamily="34" charset="0"/>
+              <a:ea typeface="Verdana" panose="020B0604030504040204" pitchFamily="34" charset="0"/>
+              <a:cs typeface="Merriweather"/>
+              <a:sym typeface="Merriweather"/>
+            </a:endParaRPr>
+          </a:p>
+          <a:p>
+            <a:pPr marL="146050" lvl="0" algn="just" rtl="0">
+              <a:lnSpc>
+                <a:spcPts val="2200"/>
+              </a:lnSpc>
+              <a:spcBef>
+                <a:spcPts val="0"/>
+              </a:spcBef>
+              <a:spcAft>
+                <a:spcPts val="0"/>
+              </a:spcAft>
+              <a:buClr>
+                <a:schemeClr val="dk1"/>
+              </a:buClr>
+              <a:buSzPts val="1300"/>
+            </a:pPr>
+            <a:endParaRPr lang="it-IT" sz="2000" dirty="0">
+              <a:solidFill>
+                <a:srgbClr val="050607"/>
+              </a:solidFill>
+              <a:highlight>
+                <a:srgbClr val="FFFFFF"/>
+              </a:highlight>
+              <a:latin typeface="Verdana" panose="020B0604030504040204" pitchFamily="34" charset="0"/>
+              <a:ea typeface="Verdana" panose="020B0604030504040204" pitchFamily="34" charset="0"/>
+              <a:cs typeface="Merriweather"/>
+              <a:sym typeface="Merriweather"/>
+            </a:endParaRPr>
+          </a:p>
+          <a:p>
+            <a:pPr marL="146050" lvl="0" algn="just" rtl="0">
+              <a:lnSpc>
+                <a:spcPts val="2200"/>
+              </a:lnSpc>
+              <a:spcBef>
+                <a:spcPts val="0"/>
+              </a:spcBef>
+              <a:spcAft>
+                <a:spcPts val="0"/>
+              </a:spcAft>
+              <a:buClr>
+                <a:schemeClr val="dk1"/>
+              </a:buClr>
+              <a:buSzPts val="1300"/>
+            </a:pPr>
+            <a:endParaRPr lang="it-IT" sz="2000" dirty="0">
+              <a:solidFill>
+                <a:srgbClr val="050607"/>
+              </a:solidFill>
+              <a:highlight>
+                <a:srgbClr val="FFFFFF"/>
+              </a:highlight>
+              <a:latin typeface="Verdana" panose="020B0604030504040204" pitchFamily="34" charset="0"/>
+              <a:ea typeface="Verdana" panose="020B0604030504040204" pitchFamily="34" charset="0"/>
+              <a:cs typeface="Merriweather"/>
+              <a:sym typeface="Merriweather"/>
+            </a:endParaRPr>
+          </a:p>
+        </p:txBody>
+      </p:sp>
+      <p:sp>
+        <p:nvSpPr>
+          <p:cNvPr id="2" name="Google Shape;93;p16">
+            <a:extLst>
+              <a:ext uri="{FF2B5EF4-FFF2-40B4-BE49-F238E27FC236}">
+                <a16:creationId xmlns:a16="http://schemas.microsoft.com/office/drawing/2014/main" id="{D5A0C16B-A1BE-1287-CEA6-C70068AD519B}"/>
+              </a:ext>
+            </a:extLst>
+          </p:cNvPr>
+          <p:cNvSpPr txBox="1"/>
+          <p:nvPr/>
+        </p:nvSpPr>
+        <p:spPr>
+          <a:xfrm>
+            <a:off x="774000" y="719436"/>
+            <a:ext cx="7596000" cy="1477297"/>
+          </a:xfrm>
+          <a:prstGeom prst="rect">
+            <a:avLst/>
+          </a:prstGeom>
+          <a:noFill/>
+          <a:ln>
+            <a:noFill/>
+          </a:ln>
+        </p:spPr>
+        <p:txBody>
+          <a:bodyPr spcFirstLastPara="1" wrap="square" lIns="91425" tIns="91425" rIns="91425" bIns="91425" anchor="t" anchorCtr="0">
+            <a:spAutoFit/>
+          </a:bodyPr>
+          <a:lstStyle/>
+          <a:p>
+            <a:pPr algn="ctr"/>
+            <a:r>
+              <a:rPr lang="it-IT" sz="2800" b="1" dirty="0">
+                <a:solidFill>
+                  <a:srgbClr val="050607"/>
+                </a:solidFill>
+                <a:highlight>
+                  <a:srgbClr val="FFFFFF"/>
+                </a:highlight>
+                <a:latin typeface="+mn-lt"/>
+                <a:ea typeface="Verdana" panose="020B0604030504040204" pitchFamily="34" charset="0"/>
+                <a:cs typeface="Times New Roman" panose="02020603050405020304" pitchFamily="18" charset="0"/>
+                <a:sym typeface="Merriweather"/>
+              </a:rPr>
+              <a:t>Confronto tra i modelli</a:t>
+            </a:r>
+          </a:p>
+          <a:p>
+            <a:pPr marL="0" lvl="0" indent="0" algn="ctr" rtl="0">
+              <a:spcBef>
+                <a:spcPts val="0"/>
+              </a:spcBef>
+              <a:spcAft>
+                <a:spcPts val="0"/>
+              </a:spcAft>
+              <a:buNone/>
+            </a:pPr>
+            <a:endParaRPr sz="2800" b="1" dirty="0">
+              <a:solidFill>
+                <a:srgbClr val="050607"/>
+              </a:solidFill>
+              <a:latin typeface="+mn-lt"/>
+              <a:ea typeface="Merriweather"/>
+              <a:cs typeface="Merriweather"/>
+              <a:sym typeface="Merriweather"/>
+            </a:endParaRPr>
+          </a:p>
+          <a:p>
+            <a:pPr marL="0" lvl="0" indent="0" algn="l" rtl="0">
+              <a:spcBef>
+                <a:spcPts val="0"/>
+              </a:spcBef>
+              <a:spcAft>
+                <a:spcPts val="0"/>
+              </a:spcAft>
+              <a:buNone/>
+            </a:pPr>
+            <a:endParaRPr dirty="0">
+              <a:solidFill>
+                <a:schemeClr val="dk1"/>
+              </a:solidFill>
+              <a:latin typeface="Roboto"/>
+              <a:ea typeface="Roboto"/>
+              <a:cs typeface="Roboto"/>
+              <a:sym typeface="Roboto"/>
+            </a:endParaRPr>
+          </a:p>
+          <a:p>
+            <a:pPr marL="457200" lvl="0" indent="0" algn="l" rtl="0">
+              <a:spcBef>
+                <a:spcPts val="0"/>
+              </a:spcBef>
+              <a:spcAft>
+                <a:spcPts val="0"/>
+              </a:spcAft>
+              <a:buNone/>
+            </a:pPr>
+            <a:endParaRPr dirty="0">
+              <a:solidFill>
+                <a:schemeClr val="dk1"/>
+              </a:solidFill>
+              <a:latin typeface="Roboto"/>
+              <a:ea typeface="Roboto"/>
+              <a:cs typeface="Roboto"/>
+              <a:sym typeface="Roboto"/>
+            </a:endParaRPr>
+          </a:p>
+        </p:txBody>
+      </p:sp>
+      <p:pic>
+        <p:nvPicPr>
+          <p:cNvPr id="74" name="Google Shape;74;p14"/>
+          <p:cNvPicPr preferRelativeResize="0"/>
+          <p:nvPr/>
+        </p:nvPicPr>
+        <p:blipFill>
+          <a:blip r:embed="rId3">
+            <a:alphaModFix/>
+          </a:blip>
+          <a:stretch>
+            <a:fillRect/>
+          </a:stretch>
+        </p:blipFill>
+        <p:spPr>
+          <a:xfrm>
+            <a:off x="8515651" y="4504976"/>
+            <a:ext cx="554101" cy="554101"/>
+          </a:xfrm>
+          <a:prstGeom prst="rect">
+            <a:avLst/>
+          </a:prstGeom>
+          <a:noFill/>
+          <a:ln>
+            <a:noFill/>
+          </a:ln>
+        </p:spPr>
+      </p:pic>
+    </p:spTree>
+    <p:extLst>
+      <p:ext uri="{BB962C8B-B14F-4D97-AF65-F5344CB8AC3E}">
+        <p14:creationId xmlns:p14="http://schemas.microsoft.com/office/powerpoint/2010/main" val="17358435"/>
+      </p:ext>
+    </p:extLst>
+  </p:cSld>
+  <p:clrMapOvr>
+    <a:masterClrMapping/>
+  </p:clrMapOvr>
+</p:sld>
+</file>
+
+<file path=ppt/slides/slide24.xml><?xml version="1.0" encoding="utf-8"?>
+<p:sld xmlns:a="http://schemas.openxmlformats.org/drawingml/2006/main" xmlns:r="http://schemas.openxmlformats.org/officeDocument/2006/relationships" xmlns:p="http://schemas.openxmlformats.org/presentationml/2006/main">
+  <p:cSld>
+    <p:spTree>
+      <p:nvGrpSpPr>
+        <p:cNvPr id="1" name="Shape 71"/>
+        <p:cNvGrpSpPr/>
+        <p:nvPr/>
+      </p:nvGrpSpPr>
+      <p:grpSpPr>
+        <a:xfrm>
+          <a:off x="0" y="0"/>
+          <a:ext cx="0" cy="0"/>
+          <a:chOff x="0" y="0"/>
+          <a:chExt cx="0" cy="0"/>
+        </a:xfrm>
+      </p:grpSpPr>
+      <p:sp>
+        <p:nvSpPr>
+          <p:cNvPr id="72" name="Google Shape;72;p14"/>
+          <p:cNvSpPr/>
+          <p:nvPr/>
+        </p:nvSpPr>
+        <p:spPr>
+          <a:xfrm>
+            <a:off x="0" y="0"/>
+            <a:ext cx="9144000" cy="657000"/>
+          </a:xfrm>
+          <a:prstGeom prst="rect">
+            <a:avLst/>
+          </a:prstGeom>
+          <a:solidFill>
+            <a:schemeClr val="accent5">
+              <a:lumMod val="75000"/>
+            </a:schemeClr>
+          </a:solidFill>
+          <a:ln w="9525" cap="flat" cmpd="sng">
+            <a:solidFill>
+              <a:schemeClr val="dk2"/>
+            </a:solidFill>
+            <a:prstDash val="solid"/>
+            <a:round/>
+            <a:headEnd type="none" w="sm" len="sm"/>
+            <a:tailEnd type="none" w="sm" len="sm"/>
+          </a:ln>
+        </p:spPr>
+        <p:txBody>
+          <a:bodyPr spcFirstLastPara="1" wrap="square" lIns="91425" tIns="91425" rIns="91425" bIns="91425" anchor="ctr" anchorCtr="0">
+            <a:noAutofit/>
+          </a:bodyPr>
+          <a:lstStyle/>
+          <a:p>
+            <a:pPr marL="0" lvl="0" indent="0" algn="l" rtl="0">
+              <a:spcBef>
+                <a:spcPts val="0"/>
+              </a:spcBef>
+              <a:spcAft>
+                <a:spcPts val="0"/>
+              </a:spcAft>
+              <a:buNone/>
+            </a:pPr>
+            <a:endParaRPr>
+              <a:solidFill>
+                <a:schemeClr val="dk1"/>
+              </a:solidFill>
+              <a:highlight>
+                <a:schemeClr val="dk1"/>
+              </a:highlight>
+            </a:endParaRPr>
+          </a:p>
+        </p:txBody>
+      </p:sp>
+      <p:sp>
+        <p:nvSpPr>
+          <p:cNvPr id="73" name="Google Shape;73;p14"/>
+          <p:cNvSpPr txBox="1"/>
+          <p:nvPr/>
+        </p:nvSpPr>
+        <p:spPr>
+          <a:xfrm>
+            <a:off x="249249" y="54900"/>
+            <a:ext cx="8715137" cy="553968"/>
+          </a:xfrm>
+          <a:prstGeom prst="rect">
+            <a:avLst/>
+          </a:prstGeom>
+          <a:noFill/>
+          <a:ln>
+            <a:noFill/>
+          </a:ln>
+        </p:spPr>
+        <p:txBody>
+          <a:bodyPr spcFirstLastPara="1" wrap="square" lIns="91425" tIns="91425" rIns="91425" bIns="91425" anchor="t" anchorCtr="0">
+            <a:spAutoFit/>
+          </a:bodyPr>
+          <a:lstStyle/>
+          <a:p>
+            <a:pPr marL="0" lvl="0" indent="0" algn="l" rtl="0">
+              <a:spcBef>
+                <a:spcPts val="0"/>
+              </a:spcBef>
+              <a:spcAft>
+                <a:spcPts val="0"/>
+              </a:spcAft>
+              <a:buNone/>
+            </a:pPr>
+            <a:r>
+              <a:rPr lang="it" sz="2400" b="1" dirty="0">
+                <a:solidFill>
+                  <a:schemeClr val="lt1"/>
+                </a:solidFill>
+                <a:latin typeface="Verdana" panose="020B0604030504040204" pitchFamily="34" charset="0"/>
+                <a:ea typeface="Verdana" panose="020B0604030504040204" pitchFamily="34" charset="0"/>
+                <a:cs typeface="Merriweather"/>
+                <a:sym typeface="Merriweather"/>
+              </a:rPr>
+              <a:t>CONCLUSIONI</a:t>
+            </a:r>
+          </a:p>
+        </p:txBody>
+      </p:sp>
+      <p:sp>
+        <p:nvSpPr>
+          <p:cNvPr id="76" name="Google Shape;76;p14"/>
+          <p:cNvSpPr txBox="1"/>
+          <p:nvPr/>
+        </p:nvSpPr>
+        <p:spPr>
+          <a:xfrm>
+            <a:off x="249249" y="1258185"/>
+            <a:ext cx="8266500" cy="4416563"/>
+          </a:xfrm>
+          <a:prstGeom prst="rect">
+            <a:avLst/>
+          </a:prstGeom>
+          <a:noFill/>
+          <a:ln>
+            <a:noFill/>
+          </a:ln>
+        </p:spPr>
+        <p:txBody>
+          <a:bodyPr spcFirstLastPara="1" wrap="square" lIns="91425" tIns="91425" rIns="91425" bIns="91425" anchor="t" anchorCtr="0">
+            <a:spAutoFit/>
+          </a:bodyPr>
+          <a:lstStyle/>
+          <a:p>
+            <a:pPr marL="488950" lvl="0" indent="-342900" algn="just" rtl="0">
+              <a:lnSpc>
+                <a:spcPts val="2200"/>
+              </a:lnSpc>
+              <a:spcBef>
+                <a:spcPts val="0"/>
+              </a:spcBef>
+              <a:spcAft>
+                <a:spcPts val="0"/>
+              </a:spcAft>
+              <a:buClr>
+                <a:schemeClr val="dk1"/>
+              </a:buClr>
+              <a:buSzPts val="1300"/>
+              <a:buFont typeface="Arial" panose="020B0604020202020204" pitchFamily="34" charset="0"/>
+              <a:buChar char="•"/>
+            </a:pPr>
+            <a:r>
+              <a:rPr lang="it-IT" sz="2000" dirty="0">
+                <a:solidFill>
+                  <a:srgbClr val="050607"/>
+                </a:solidFill>
+                <a:highlight>
+                  <a:srgbClr val="FFFFFF"/>
+                </a:highlight>
+                <a:latin typeface="Verdana" panose="020B0604030504040204" pitchFamily="34" charset="0"/>
+                <a:ea typeface="Verdana" panose="020B0604030504040204" pitchFamily="34" charset="0"/>
+                <a:cs typeface="Merriweather"/>
+                <a:sym typeface="Merriweather"/>
+              </a:rPr>
+              <a:t>Lo studio ha dimostrato l’applicabilità di modelli </a:t>
+            </a:r>
+            <a:r>
+              <a:rPr lang="it-IT" sz="2000" dirty="0" err="1">
+                <a:solidFill>
+                  <a:srgbClr val="050607"/>
+                </a:solidFill>
+                <a:highlight>
+                  <a:srgbClr val="FFFFFF"/>
+                </a:highlight>
+                <a:latin typeface="Verdana" panose="020B0604030504040204" pitchFamily="34" charset="0"/>
+                <a:ea typeface="Verdana" panose="020B0604030504040204" pitchFamily="34" charset="0"/>
+                <a:cs typeface="Merriweather"/>
+                <a:sym typeface="Merriweather"/>
+              </a:rPr>
+              <a:t>unsupervised</a:t>
+            </a:r>
+            <a:r>
+              <a:rPr lang="it-IT" sz="2000" dirty="0">
+                <a:solidFill>
+                  <a:srgbClr val="050607"/>
+                </a:solidFill>
+                <a:highlight>
+                  <a:srgbClr val="FFFFFF"/>
+                </a:highlight>
+                <a:latin typeface="Verdana" panose="020B0604030504040204" pitchFamily="34" charset="0"/>
+                <a:ea typeface="Verdana" panose="020B0604030504040204" pitchFamily="34" charset="0"/>
+                <a:cs typeface="Merriweather"/>
+                <a:sym typeface="Merriweather"/>
+              </a:rPr>
+              <a:t> per la detection del traffico TOR.</a:t>
+            </a:r>
+          </a:p>
+          <a:p>
+            <a:pPr marL="488950" lvl="0" indent="-342900" algn="just" rtl="0">
+              <a:lnSpc>
+                <a:spcPts val="2200"/>
+              </a:lnSpc>
+              <a:spcBef>
+                <a:spcPts val="0"/>
+              </a:spcBef>
+              <a:spcAft>
+                <a:spcPts val="0"/>
+              </a:spcAft>
+              <a:buClr>
+                <a:schemeClr val="dk1"/>
+              </a:buClr>
+              <a:buSzPts val="1300"/>
+              <a:buFont typeface="Arial" panose="020B0604020202020204" pitchFamily="34" charset="0"/>
+              <a:buChar char="•"/>
+            </a:pPr>
+            <a:endParaRPr lang="it-IT" sz="2000" dirty="0">
+              <a:solidFill>
+                <a:srgbClr val="050607"/>
+              </a:solidFill>
+              <a:highlight>
+                <a:srgbClr val="FFFFFF"/>
+              </a:highlight>
+              <a:latin typeface="Verdana" panose="020B0604030504040204" pitchFamily="34" charset="0"/>
+              <a:ea typeface="Verdana" panose="020B0604030504040204" pitchFamily="34" charset="0"/>
+              <a:cs typeface="Merriweather"/>
+              <a:sym typeface="Merriweather"/>
+            </a:endParaRPr>
+          </a:p>
+          <a:p>
+            <a:pPr marL="488950" lvl="0" indent="-342900" algn="just" rtl="0">
+              <a:lnSpc>
+                <a:spcPts val="2200"/>
+              </a:lnSpc>
+              <a:spcBef>
+                <a:spcPts val="0"/>
+              </a:spcBef>
+              <a:spcAft>
+                <a:spcPts val="0"/>
+              </a:spcAft>
+              <a:buClr>
+                <a:schemeClr val="dk1"/>
+              </a:buClr>
+              <a:buSzPts val="1300"/>
+              <a:buFont typeface="Arial" panose="020B0604020202020204" pitchFamily="34" charset="0"/>
+              <a:buChar char="•"/>
+            </a:pPr>
+            <a:r>
+              <a:rPr lang="it-IT" sz="2000" dirty="0">
+                <a:solidFill>
+                  <a:srgbClr val="050607"/>
+                </a:solidFill>
+                <a:highlight>
+                  <a:srgbClr val="FFFFFF"/>
+                </a:highlight>
+                <a:latin typeface="Verdana" panose="020B0604030504040204" pitchFamily="34" charset="0"/>
+                <a:ea typeface="Verdana" panose="020B0604030504040204" pitchFamily="34" charset="0"/>
+                <a:cs typeface="Merriweather"/>
+                <a:sym typeface="Merriweather"/>
+              </a:rPr>
+              <a:t>I risultati indicano i modelli più adatti al contesto, ma future ricerche potrebbero esplorare ulteriori versioni per migliorarne le performance.</a:t>
+            </a:r>
+          </a:p>
+          <a:p>
+            <a:pPr marL="488950" lvl="0" indent="-342900" algn="just" rtl="0">
+              <a:lnSpc>
+                <a:spcPts val="2200"/>
+              </a:lnSpc>
+              <a:spcBef>
+                <a:spcPts val="0"/>
+              </a:spcBef>
+              <a:spcAft>
+                <a:spcPts val="0"/>
+              </a:spcAft>
+              <a:buClr>
+                <a:schemeClr val="dk1"/>
+              </a:buClr>
+              <a:buSzPts val="1300"/>
+              <a:buFont typeface="Arial" panose="020B0604020202020204" pitchFamily="34" charset="0"/>
+              <a:buChar char="•"/>
+            </a:pPr>
+            <a:endParaRPr lang="it-IT" sz="2000" dirty="0">
+              <a:solidFill>
+                <a:srgbClr val="050607"/>
+              </a:solidFill>
+              <a:highlight>
+                <a:srgbClr val="FFFFFF"/>
+              </a:highlight>
+              <a:latin typeface="Verdana" panose="020B0604030504040204" pitchFamily="34" charset="0"/>
+              <a:ea typeface="Verdana" panose="020B0604030504040204" pitchFamily="34" charset="0"/>
+              <a:cs typeface="Merriweather"/>
+              <a:sym typeface="Merriweather"/>
+            </a:endParaRPr>
+          </a:p>
+          <a:p>
+            <a:pPr marL="488950" lvl="0" indent="-342900" algn="just" rtl="0">
+              <a:lnSpc>
+                <a:spcPts val="2200"/>
+              </a:lnSpc>
+              <a:spcBef>
+                <a:spcPts val="0"/>
+              </a:spcBef>
+              <a:spcAft>
+                <a:spcPts val="0"/>
+              </a:spcAft>
+              <a:buClr>
+                <a:schemeClr val="dk1"/>
+              </a:buClr>
+              <a:buSzPts val="1300"/>
+              <a:buFont typeface="Arial" panose="020B0604020202020204" pitchFamily="34" charset="0"/>
+              <a:buChar char="•"/>
+            </a:pPr>
+            <a:r>
+              <a:rPr lang="it-IT" sz="2000" dirty="0">
+                <a:solidFill>
+                  <a:srgbClr val="050607"/>
+                </a:solidFill>
+                <a:highlight>
+                  <a:srgbClr val="FFFFFF"/>
+                </a:highlight>
+                <a:latin typeface="Verdana" panose="020B0604030504040204" pitchFamily="34" charset="0"/>
+                <a:ea typeface="Verdana" panose="020B0604030504040204" pitchFamily="34" charset="0"/>
+                <a:cs typeface="Merriweather"/>
+                <a:sym typeface="Merriweather"/>
+              </a:rPr>
+              <a:t>L’analisi svolta può essere la base per ulteriori studi o può essere usata in fase di sviluppo di soluzioni pratiche per la rilevazione del traffico TOR.</a:t>
+            </a:r>
+          </a:p>
+          <a:p>
+            <a:pPr marL="488950" lvl="0" indent="-342900" algn="just" rtl="0">
+              <a:lnSpc>
+                <a:spcPts val="2200"/>
+              </a:lnSpc>
+              <a:spcBef>
+                <a:spcPts val="0"/>
+              </a:spcBef>
+              <a:spcAft>
+                <a:spcPts val="0"/>
+              </a:spcAft>
+              <a:buClr>
+                <a:schemeClr val="dk1"/>
+              </a:buClr>
+              <a:buSzPts val="1300"/>
+              <a:buFont typeface="Arial" panose="020B0604020202020204" pitchFamily="34" charset="0"/>
+              <a:buChar char="•"/>
+            </a:pPr>
+            <a:endParaRPr lang="it-IT" sz="2000" dirty="0">
+              <a:solidFill>
+                <a:srgbClr val="050607"/>
+              </a:solidFill>
+              <a:highlight>
+                <a:srgbClr val="FFFFFF"/>
+              </a:highlight>
+              <a:latin typeface="Verdana" panose="020B0604030504040204" pitchFamily="34" charset="0"/>
+              <a:ea typeface="Verdana" panose="020B0604030504040204" pitchFamily="34" charset="0"/>
+              <a:cs typeface="Merriweather"/>
+              <a:sym typeface="Merriweather"/>
+            </a:endParaRPr>
+          </a:p>
+          <a:p>
+            <a:pPr marL="488950" lvl="0" indent="-342900" algn="just" rtl="0">
+              <a:lnSpc>
+                <a:spcPts val="2200"/>
+              </a:lnSpc>
+              <a:spcBef>
+                <a:spcPts val="0"/>
+              </a:spcBef>
+              <a:spcAft>
+                <a:spcPts val="0"/>
+              </a:spcAft>
+              <a:buClr>
+                <a:schemeClr val="dk1"/>
+              </a:buClr>
+              <a:buSzPts val="1300"/>
+              <a:buFont typeface="Arial" panose="020B0604020202020204" pitchFamily="34" charset="0"/>
+              <a:buChar char="•"/>
+            </a:pPr>
+            <a:endParaRPr lang="it-IT" sz="2000" dirty="0">
+              <a:solidFill>
+                <a:srgbClr val="050607"/>
+              </a:solidFill>
+              <a:highlight>
+                <a:srgbClr val="FFFFFF"/>
+              </a:highlight>
+              <a:latin typeface="Verdana" panose="020B0604030504040204" pitchFamily="34" charset="0"/>
+              <a:ea typeface="Verdana" panose="020B0604030504040204" pitchFamily="34" charset="0"/>
+              <a:cs typeface="Merriweather"/>
+              <a:sym typeface="Merriweather"/>
+            </a:endParaRPr>
+          </a:p>
+          <a:p>
+            <a:pPr marL="603250" lvl="0" indent="-457200" algn="just" rtl="0">
+              <a:lnSpc>
+                <a:spcPts val="2200"/>
+              </a:lnSpc>
+              <a:spcBef>
+                <a:spcPts val="0"/>
+              </a:spcBef>
+              <a:spcAft>
+                <a:spcPts val="0"/>
+              </a:spcAft>
+              <a:buClr>
+                <a:schemeClr val="dk1"/>
+              </a:buClr>
+              <a:buSzPts val="1300"/>
+              <a:buFont typeface="+mj-lt"/>
+              <a:buAutoNum type="arabicPeriod"/>
+            </a:pPr>
+            <a:endParaRPr lang="it-IT" sz="2000" dirty="0">
+              <a:solidFill>
+                <a:srgbClr val="050607"/>
+              </a:solidFill>
+              <a:highlight>
+                <a:srgbClr val="FFFFFF"/>
+              </a:highlight>
+              <a:latin typeface="Verdana" panose="020B0604030504040204" pitchFamily="34" charset="0"/>
+              <a:ea typeface="Verdana" panose="020B0604030504040204" pitchFamily="34" charset="0"/>
+              <a:cs typeface="Merriweather"/>
+              <a:sym typeface="Merriweather"/>
+            </a:endParaRPr>
+          </a:p>
+          <a:p>
+            <a:pPr marL="146050" lvl="0" algn="just" rtl="0">
+              <a:lnSpc>
+                <a:spcPts val="2200"/>
+              </a:lnSpc>
+              <a:spcBef>
+                <a:spcPts val="0"/>
+              </a:spcBef>
+              <a:spcAft>
+                <a:spcPts val="0"/>
+              </a:spcAft>
+              <a:buClr>
+                <a:schemeClr val="dk1"/>
+              </a:buClr>
+              <a:buSzPts val="1300"/>
+            </a:pPr>
+            <a:endParaRPr lang="it-IT" sz="2000" dirty="0">
+              <a:solidFill>
+                <a:srgbClr val="050607"/>
+              </a:solidFill>
+              <a:highlight>
+                <a:srgbClr val="FFFFFF"/>
+              </a:highlight>
+              <a:latin typeface="Verdana" panose="020B0604030504040204" pitchFamily="34" charset="0"/>
+              <a:ea typeface="Verdana" panose="020B0604030504040204" pitchFamily="34" charset="0"/>
+              <a:cs typeface="Merriweather"/>
+              <a:sym typeface="Merriweather"/>
+            </a:endParaRPr>
+          </a:p>
+          <a:p>
+            <a:pPr marL="146050" lvl="0" algn="just" rtl="0">
+              <a:lnSpc>
+                <a:spcPts val="2200"/>
+              </a:lnSpc>
+              <a:spcBef>
+                <a:spcPts val="0"/>
+              </a:spcBef>
+              <a:spcAft>
+                <a:spcPts val="0"/>
+              </a:spcAft>
+              <a:buClr>
+                <a:schemeClr val="dk1"/>
+              </a:buClr>
+              <a:buSzPts val="1300"/>
+            </a:pPr>
+            <a:endParaRPr lang="it-IT" sz="2000" dirty="0">
+              <a:solidFill>
+                <a:srgbClr val="050607"/>
+              </a:solidFill>
+              <a:highlight>
+                <a:srgbClr val="FFFFFF"/>
+              </a:highlight>
+              <a:latin typeface="Verdana" panose="020B0604030504040204" pitchFamily="34" charset="0"/>
+              <a:ea typeface="Verdana" panose="020B0604030504040204" pitchFamily="34" charset="0"/>
+              <a:cs typeface="Merriweather"/>
+              <a:sym typeface="Merriweather"/>
+            </a:endParaRPr>
+          </a:p>
+        </p:txBody>
+      </p:sp>
+      <p:pic>
+        <p:nvPicPr>
+          <p:cNvPr id="74" name="Google Shape;74;p14"/>
+          <p:cNvPicPr preferRelativeResize="0"/>
+          <p:nvPr/>
+        </p:nvPicPr>
+        <p:blipFill>
+          <a:blip r:embed="rId3">
+            <a:alphaModFix/>
+          </a:blip>
+          <a:stretch>
+            <a:fillRect/>
+          </a:stretch>
+        </p:blipFill>
+        <p:spPr>
+          <a:xfrm>
+            <a:off x="8515651" y="4504976"/>
+            <a:ext cx="554101" cy="554101"/>
+          </a:xfrm>
+          <a:prstGeom prst="rect">
+            <a:avLst/>
+          </a:prstGeom>
+          <a:noFill/>
+          <a:ln>
+            <a:noFill/>
+          </a:ln>
+        </p:spPr>
+      </p:pic>
+    </p:spTree>
+    <p:extLst>
+      <p:ext uri="{BB962C8B-B14F-4D97-AF65-F5344CB8AC3E}">
+        <p14:creationId xmlns:p14="http://schemas.microsoft.com/office/powerpoint/2010/main" val="907392931"/>
+      </p:ext>
+    </p:extLst>
+  </p:cSld>
+  <p:clrMapOvr>
+    <a:masterClrMapping/>
+  </p:clrMapOvr>
+</p:sld>
+</file>
+
+<file path=ppt/slides/slide25.xml><?xml version="1.0" encoding="utf-8"?>
+<p:sld xmlns:a="http://schemas.openxmlformats.org/drawingml/2006/main" xmlns:r="http://schemas.openxmlformats.org/officeDocument/2006/relationships" xmlns:p="http://schemas.openxmlformats.org/presentationml/2006/main">
+  <p:cSld>
+    <p:spTree>
+      <p:nvGrpSpPr>
+        <p:cNvPr id="1" name="Shape 71"/>
+        <p:cNvGrpSpPr/>
+        <p:nvPr/>
+      </p:nvGrpSpPr>
+      <p:grpSpPr>
+        <a:xfrm>
+          <a:off x="0" y="0"/>
+          <a:ext cx="0" cy="0"/>
+          <a:chOff x="0" y="0"/>
+          <a:chExt cx="0" cy="0"/>
+        </a:xfrm>
+      </p:grpSpPr>
+      <p:sp>
+        <p:nvSpPr>
+          <p:cNvPr id="72" name="Google Shape;72;p14"/>
+          <p:cNvSpPr/>
+          <p:nvPr/>
+        </p:nvSpPr>
+        <p:spPr>
+          <a:xfrm>
+            <a:off x="0" y="0"/>
+            <a:ext cx="9144000" cy="657000"/>
+          </a:xfrm>
+          <a:prstGeom prst="rect">
+            <a:avLst/>
+          </a:prstGeom>
+          <a:solidFill>
+            <a:schemeClr val="accent5">
+              <a:lumMod val="75000"/>
+            </a:schemeClr>
+          </a:solidFill>
+          <a:ln w="9525" cap="flat" cmpd="sng">
+            <a:solidFill>
+              <a:schemeClr val="dk2"/>
+            </a:solidFill>
+            <a:prstDash val="solid"/>
+            <a:round/>
+            <a:headEnd type="none" w="sm" len="sm"/>
+            <a:tailEnd type="none" w="sm" len="sm"/>
+          </a:ln>
+        </p:spPr>
+        <p:txBody>
+          <a:bodyPr spcFirstLastPara="1" wrap="square" lIns="91425" tIns="91425" rIns="91425" bIns="91425" anchor="ctr" anchorCtr="0">
+            <a:noAutofit/>
+          </a:bodyPr>
+          <a:lstStyle/>
+          <a:p>
+            <a:pPr marL="0" lvl="0" indent="0" algn="l" rtl="0">
+              <a:spcBef>
+                <a:spcPts val="0"/>
+              </a:spcBef>
+              <a:spcAft>
+                <a:spcPts val="0"/>
+              </a:spcAft>
+              <a:buNone/>
+            </a:pPr>
+            <a:endParaRPr>
+              <a:solidFill>
+                <a:schemeClr val="dk1"/>
+              </a:solidFill>
+              <a:highlight>
+                <a:schemeClr val="dk1"/>
+              </a:highlight>
+            </a:endParaRPr>
+          </a:p>
+        </p:txBody>
+      </p:sp>
+      <p:sp>
+        <p:nvSpPr>
+          <p:cNvPr id="73" name="Google Shape;73;p14"/>
+          <p:cNvSpPr txBox="1"/>
+          <p:nvPr/>
+        </p:nvSpPr>
+        <p:spPr>
+          <a:xfrm>
+            <a:off x="249249" y="54900"/>
+            <a:ext cx="8715137" cy="553968"/>
+          </a:xfrm>
+          <a:prstGeom prst="rect">
+            <a:avLst/>
+          </a:prstGeom>
+          <a:noFill/>
+          <a:ln>
+            <a:noFill/>
+          </a:ln>
+        </p:spPr>
+        <p:txBody>
+          <a:bodyPr spcFirstLastPara="1" wrap="square" lIns="91425" tIns="91425" rIns="91425" bIns="91425" anchor="t" anchorCtr="0">
+            <a:spAutoFit/>
+          </a:bodyPr>
+          <a:lstStyle/>
+          <a:p>
+            <a:pPr marL="0" lvl="0" indent="0" algn="l" rtl="0">
+              <a:spcBef>
+                <a:spcPts val="0"/>
+              </a:spcBef>
+              <a:spcAft>
+                <a:spcPts val="0"/>
+              </a:spcAft>
+              <a:buNone/>
+            </a:pPr>
+            <a:r>
+              <a:rPr lang="it" sz="2400" b="1" dirty="0">
+                <a:solidFill>
+                  <a:schemeClr val="lt1"/>
+                </a:solidFill>
+                <a:latin typeface="Verdana" panose="020B0604030504040204" pitchFamily="34" charset="0"/>
+                <a:ea typeface="Verdana" panose="020B0604030504040204" pitchFamily="34" charset="0"/>
+                <a:cs typeface="Merriweather"/>
+                <a:sym typeface="Merriweather"/>
+              </a:rPr>
+              <a:t>REFERENZE</a:t>
+            </a:r>
+            <a:endParaRPr sz="2400" b="1" dirty="0">
+              <a:solidFill>
+                <a:schemeClr val="lt1"/>
+              </a:solidFill>
+              <a:latin typeface="Verdana" panose="020B0604030504040204" pitchFamily="34" charset="0"/>
+              <a:ea typeface="Verdana" panose="020B0604030504040204" pitchFamily="34" charset="0"/>
+              <a:cs typeface="Merriweather"/>
+              <a:sym typeface="Merriweather"/>
+            </a:endParaRPr>
+          </a:p>
+        </p:txBody>
+      </p:sp>
+      <p:pic>
+        <p:nvPicPr>
+          <p:cNvPr id="74" name="Google Shape;74;p14"/>
+          <p:cNvPicPr preferRelativeResize="0"/>
+          <p:nvPr/>
+        </p:nvPicPr>
+        <p:blipFill>
+          <a:blip r:embed="rId3">
+            <a:alphaModFix/>
+          </a:blip>
+          <a:stretch>
+            <a:fillRect/>
+          </a:stretch>
+        </p:blipFill>
+        <p:spPr>
+          <a:xfrm>
+            <a:off x="8515651" y="4504976"/>
+            <a:ext cx="554101" cy="554101"/>
+          </a:xfrm>
+          <a:prstGeom prst="rect">
+            <a:avLst/>
+          </a:prstGeom>
+          <a:noFill/>
+          <a:ln>
+            <a:noFill/>
+          </a:ln>
+        </p:spPr>
+      </p:pic>
+      <p:sp>
+        <p:nvSpPr>
+          <p:cNvPr id="8" name="Google Shape;76;p14">
+            <a:extLst>
+              <a:ext uri="{FF2B5EF4-FFF2-40B4-BE49-F238E27FC236}">
+                <a16:creationId xmlns:a16="http://schemas.microsoft.com/office/drawing/2014/main" id="{F5C150E0-5F5E-C4B8-B048-6FF29C110236}"/>
+              </a:ext>
+            </a:extLst>
+          </p:cNvPr>
+          <p:cNvSpPr txBox="1"/>
+          <p:nvPr/>
+        </p:nvSpPr>
+        <p:spPr>
+          <a:xfrm>
+            <a:off x="301834" y="1229134"/>
+            <a:ext cx="8540332" cy="2769959"/>
+          </a:xfrm>
+          <a:prstGeom prst="rect">
+            <a:avLst/>
+          </a:prstGeom>
+          <a:noFill/>
+          <a:ln>
+            <a:noFill/>
+          </a:ln>
+        </p:spPr>
+        <p:txBody>
+          <a:bodyPr spcFirstLastPara="1" wrap="square" lIns="91425" tIns="91425" rIns="91425" bIns="91425" anchor="t" anchorCtr="0">
+            <a:spAutoFit/>
+          </a:bodyPr>
+          <a:lstStyle/>
+          <a:p>
+            <a:pPr marL="146050" lvl="0" algn="just" rtl="0">
+              <a:lnSpc>
+                <a:spcPct val="150000"/>
+              </a:lnSpc>
+              <a:spcBef>
+                <a:spcPts val="0"/>
+              </a:spcBef>
+              <a:spcAft>
+                <a:spcPts val="0"/>
+              </a:spcAft>
+              <a:buClr>
+                <a:schemeClr val="dk1"/>
+              </a:buClr>
+              <a:buSzPts val="1300"/>
+            </a:pPr>
+            <a:r>
+              <a:rPr lang="it-IT" sz="2000" dirty="0"/>
+              <a:t>Il codice sorgente e la documentazione sono disponibili al seguente link:</a:t>
+            </a:r>
+          </a:p>
+          <a:p>
+            <a:pPr marL="146050" lvl="0" algn="just" rtl="0">
+              <a:lnSpc>
+                <a:spcPct val="150000"/>
+              </a:lnSpc>
+              <a:spcBef>
+                <a:spcPts val="0"/>
+              </a:spcBef>
+              <a:spcAft>
+                <a:spcPts val="0"/>
+              </a:spcAft>
+              <a:buClr>
+                <a:schemeClr val="dk1"/>
+              </a:buClr>
+              <a:buSzPts val="1300"/>
+            </a:pPr>
+            <a:r>
+              <a:rPr lang="it-IT" sz="1800" i="1" dirty="0">
+                <a:hlinkClick r:id="rId4"/>
+              </a:rPr>
+              <a:t>https://github.com/tommasomartinelli/Anomaly-Detection-ISCXTor2016</a:t>
+            </a:r>
+            <a:endParaRPr lang="it-IT" sz="1800" i="1" dirty="0"/>
+          </a:p>
+          <a:p>
+            <a:pPr marL="146050" lvl="0" algn="just" rtl="0">
+              <a:lnSpc>
+                <a:spcPct val="150000"/>
+              </a:lnSpc>
+              <a:spcBef>
+                <a:spcPts val="0"/>
+              </a:spcBef>
+              <a:spcAft>
+                <a:spcPts val="0"/>
+              </a:spcAft>
+              <a:buClr>
+                <a:schemeClr val="dk1"/>
+              </a:buClr>
+              <a:buSzPts val="1300"/>
+            </a:pPr>
+            <a:endParaRPr lang="it-IT" sz="1800" i="1" dirty="0">
+              <a:solidFill>
+                <a:srgbClr val="050607"/>
+              </a:solidFill>
+              <a:highlight>
+                <a:srgbClr val="FFFFFF"/>
+              </a:highlight>
+              <a:latin typeface="+mn-lt"/>
+              <a:ea typeface="Verdana" panose="020B0604030504040204" pitchFamily="34" charset="0"/>
+              <a:cs typeface="Merriweather"/>
+              <a:sym typeface="Merriweather"/>
+            </a:endParaRPr>
+          </a:p>
+          <a:p>
+            <a:pPr marL="146050" algn="just">
+              <a:lnSpc>
+                <a:spcPct val="150000"/>
+              </a:lnSpc>
+              <a:buClr>
+                <a:schemeClr val="dk1"/>
+              </a:buClr>
+              <a:buSzPts val="1300"/>
+            </a:pPr>
+            <a:r>
+              <a:rPr lang="it-IT" sz="2000" dirty="0">
+                <a:latin typeface="+mn-lt"/>
+              </a:rPr>
+              <a:t>Fonte dati: ISCXTor2016, Canadian Institute for Cybersecurity </a:t>
+            </a:r>
+            <a:r>
+              <a:rPr lang="it-IT" sz="2000" dirty="0">
+                <a:solidFill>
+                  <a:srgbClr val="050607"/>
+                </a:solidFill>
+                <a:highlight>
+                  <a:srgbClr val="FFFFFF"/>
+                </a:highlight>
+                <a:latin typeface="+mn-lt"/>
+                <a:ea typeface="Verdana" panose="020B0604030504040204" pitchFamily="34" charset="0"/>
+                <a:cs typeface="Merriweather"/>
+                <a:sym typeface="Merriweather"/>
+              </a:rPr>
+              <a:t>	</a:t>
+            </a:r>
+          </a:p>
+          <a:p>
+            <a:pPr marL="146050" algn="just">
+              <a:lnSpc>
+                <a:spcPct val="150000"/>
+              </a:lnSpc>
+              <a:buClr>
+                <a:schemeClr val="dk1"/>
+              </a:buClr>
+              <a:buSzPts val="1300"/>
+            </a:pPr>
+            <a:r>
+              <a:rPr lang="it-IT" sz="1800" i="1" dirty="0">
+                <a:solidFill>
+                  <a:srgbClr val="050607"/>
+                </a:solidFill>
+                <a:highlight>
+                  <a:srgbClr val="FFFFFF"/>
+                </a:highlight>
+                <a:latin typeface="+mn-lt"/>
+                <a:ea typeface="Verdana" panose="020B0604030504040204" pitchFamily="34" charset="0"/>
+                <a:cs typeface="Merriweather"/>
+                <a:sym typeface="Merriweather"/>
+                <a:hlinkClick r:id="rId5"/>
+              </a:rPr>
+              <a:t>https://www.unb.ca/cic/datasets/tor</a:t>
+            </a:r>
+            <a:r>
+              <a:rPr lang="it-IT" sz="1800" i="1">
+                <a:solidFill>
+                  <a:srgbClr val="050607"/>
+                </a:solidFill>
+                <a:highlight>
+                  <a:srgbClr val="FFFFFF"/>
+                </a:highlight>
+                <a:latin typeface="+mn-lt"/>
+                <a:ea typeface="Verdana" panose="020B0604030504040204" pitchFamily="34" charset="0"/>
+                <a:cs typeface="Merriweather"/>
+                <a:sym typeface="Merriweather"/>
+                <a:hlinkClick r:id="rId5"/>
+              </a:rPr>
+              <a:t>.html</a:t>
+            </a:r>
+            <a:endParaRPr lang="it-IT" sz="1800" i="1">
+              <a:solidFill>
+                <a:srgbClr val="050607"/>
+              </a:solidFill>
+              <a:highlight>
+                <a:srgbClr val="FFFFFF"/>
+              </a:highlight>
+              <a:latin typeface="+mn-lt"/>
+              <a:ea typeface="Verdana" panose="020B0604030504040204" pitchFamily="34" charset="0"/>
+              <a:cs typeface="Merriweather"/>
+              <a:sym typeface="Merriweather"/>
+            </a:endParaRPr>
+          </a:p>
+          <a:p>
+            <a:pPr marL="146050" algn="just">
+              <a:lnSpc>
+                <a:spcPct val="150000"/>
+              </a:lnSpc>
+              <a:buClr>
+                <a:schemeClr val="dk1"/>
+              </a:buClr>
+              <a:buSzPts val="1300"/>
+            </a:pPr>
+            <a:endParaRPr lang="it-IT" sz="1800" i="1" dirty="0">
+              <a:solidFill>
+                <a:srgbClr val="050607"/>
+              </a:solidFill>
+              <a:highlight>
+                <a:srgbClr val="FFFFFF"/>
+              </a:highlight>
+              <a:latin typeface="+mn-lt"/>
+              <a:ea typeface="Verdana" panose="020B0604030504040204" pitchFamily="34" charset="0"/>
+              <a:cs typeface="Merriweather"/>
+              <a:sym typeface="Merriweather"/>
+            </a:endParaRPr>
+          </a:p>
+        </p:txBody>
+      </p:sp>
+    </p:spTree>
+    <p:extLst>
+      <p:ext uri="{BB962C8B-B14F-4D97-AF65-F5344CB8AC3E}">
+        <p14:creationId xmlns:p14="http://schemas.microsoft.com/office/powerpoint/2010/main" val="3257006410"/>
+      </p:ext>
+    </p:extLst>
   </p:cSld>
   <p:clrMapOvr>
     <a:masterClrMapping/>
